--- a/output.pptx
+++ b/output.pptx
@@ -6,6 +6,8 @@
   </p:sldMasterIdLst>
   <p:sldIdLst>
     <p:sldId id="256" r:id="rId2"/>
+    <p:sldId id="257" r:id="rId3"/>
+    <p:sldId id="258" r:id="rId4"/>
   </p:sldIdLst>
   <p:sldSz cx="12192000" cy="6858000"/>
   <p:notesSz cx="6858000" cy="9144000"/>
@@ -127,6 +129,674 @@
   </mc:AlternateContent>
   <c:chart>
     <c:title>
+      <c:tx>
+        <c:rich>
+          <a:bodyPr rot="0" spcFirstLastPara="1" vertOverflow="ellipsis" vert="horz" wrap="square" anchor="ctr" anchorCtr="1"/>
+          <a:lstStyle/>
+          <a:p>
+            <a:pPr>
+              <a:defRPr sz="1862" b="0" i="0" u="none" strike="noStrike" kern="1200" spc="0" baseline="0">
+                <a:solidFill>
+                  <a:schemeClr val="tx1">
+                    <a:lumMod val="65000"/>
+                    <a:lumOff val="35000"/>
+                  </a:schemeClr>
+                </a:solidFill>
+                <a:latin typeface="+mn-lt"/>
+                <a:ea typeface="+mn-ea"/>
+                <a:cs typeface="+mn-cs"/>
+              </a:defRPr>
+            </a:pPr>
+            <a:r>
+              <a:rPr lang="zh-CN" altLang="en-US" b="1" i="1" dirty="0">
+                <a:latin typeface="微软雅黑" panose="020B0503020204020204" pitchFamily="34" charset="-122"/>
+                <a:ea typeface="微软雅黑" panose="020B0503020204020204" pitchFamily="34" charset="-122"/>
+              </a:rPr>
+              <a:t>图表标题</a:t>
+            </a:r>
+          </a:p>
+        </c:rich>
+      </c:tx>
+      <c:overlay val="0"/>
+      <c:spPr>
+        <a:noFill/>
+        <a:ln>
+          <a:noFill/>
+        </a:ln>
+        <a:effectLst/>
+      </c:spPr>
+      <c:txPr>
+        <a:bodyPr rot="0" spcFirstLastPara="1" vertOverflow="ellipsis" vert="horz" wrap="square" anchor="ctr" anchorCtr="1"/>
+        <a:lstStyle/>
+        <a:p>
+          <a:pPr>
+            <a:defRPr sz="1862" b="0" i="0" u="none" strike="noStrike" kern="1200" spc="0" baseline="0">
+              <a:solidFill>
+                <a:schemeClr val="tx1">
+                  <a:lumMod val="65000"/>
+                  <a:lumOff val="35000"/>
+                </a:schemeClr>
+              </a:solidFill>
+              <a:latin typeface="+mn-lt"/>
+              <a:ea typeface="+mn-ea"/>
+              <a:cs typeface="+mn-cs"/>
+            </a:defRPr>
+          </a:pPr>
+          <a:endParaRPr lang="zh-CN"/>
+        </a:p>
+      </c:txPr>
+    </c:title>
+    <c:autoTitleDeleted val="0"/>
+    <c:plotArea>
+      <c:layout/>
+      <c:barChart>
+        <c:barDir val="col"/>
+        <c:grouping val="clustered"/>
+        <c:varyColors val="0"/>
+        <c:ser>
+          <c:idx val="0"/>
+          <c:order val="0"/>
+          <c:tx>
+            <c:strRef>
+              <c:f>Sheet1!$B$1</c:f>
+              <c:strCache>
+                <c:ptCount val="1"/>
+                <c:pt idx="0">
+                  <c:v>语文</c:v>
+                </c:pt>
+              </c:strCache>
+            </c:strRef>
+          </c:tx>
+          <c:spPr>
+            <a:solidFill>
+              <a:schemeClr val="accent1"/>
+            </a:solidFill>
+            <a:ln>
+              <a:noFill/>
+            </a:ln>
+            <a:effectLst/>
+          </c:spPr>
+          <c:invertIfNegative val="0"/>
+          <c:dLbls>
+            <c:spPr>
+              <a:noFill/>
+              <a:ln>
+                <a:noFill/>
+              </a:ln>
+              <a:effectLst/>
+            </c:spPr>
+            <c:txPr>
+              <a:bodyPr rot="0" spcFirstLastPara="1" vertOverflow="ellipsis" vert="horz" wrap="square" lIns="38100" tIns="19050" rIns="38100" bIns="19050" anchor="ctr" anchorCtr="1">
+                <a:spAutoFit/>
+              </a:bodyPr>
+              <a:lstStyle/>
+              <a:p>
+                <a:pPr>
+                  <a:defRPr sz="1197" b="0" i="0" u="none" strike="noStrike" kern="1200" baseline="0">
+                    <a:solidFill>
+                      <a:schemeClr val="tx1">
+                        <a:lumMod val="75000"/>
+                        <a:lumOff val="25000"/>
+                      </a:schemeClr>
+                    </a:solidFill>
+                    <a:latin typeface="+mn-lt"/>
+                    <a:ea typeface="+mn-ea"/>
+                    <a:cs typeface="+mn-cs"/>
+                  </a:defRPr>
+                </a:pPr>
+                <a:endParaRPr lang="zh-CN"/>
+              </a:p>
+            </c:txPr>
+            <c:dLblPos val="outEnd"/>
+            <c:showLegendKey val="0"/>
+            <c:showVal val="1"/>
+            <c:showCatName val="0"/>
+            <c:showSerName val="0"/>
+            <c:showPercent val="0"/>
+            <c:showBubbleSize val="0"/>
+            <c:showLeaderLines val="0"/>
+            <c:extLst>
+              <c:ext xmlns:c15="http://schemas.microsoft.com/office/drawing/2012/chart" uri="{CE6537A1-D6FC-4f65-9D91-7224C49458BB}">
+                <c15:showLeaderLines val="1"/>
+                <c15:leaderLines>
+                  <c:spPr>
+                    <a:ln w="9525" cap="flat" cmpd="sng" algn="ctr">
+                      <a:solidFill>
+                        <a:schemeClr val="tx1">
+                          <a:lumMod val="35000"/>
+                          <a:lumOff val="65000"/>
+                        </a:schemeClr>
+                      </a:solidFill>
+                      <a:round/>
+                    </a:ln>
+                    <a:effectLst/>
+                  </c:spPr>
+                </c15:leaderLines>
+              </c:ext>
+            </c:extLst>
+          </c:dLbls>
+          <c:cat>
+            <c:strRef>
+              <c:f>Sheet1!$A$2:$A$3</c:f>
+              <c:strCache>
+                <c:ptCount val="2"/>
+                <c:pt idx="0">
+                  <c:v>李二</c:v>
+                </c:pt>
+                <c:pt idx="1">
+                  <c:v>张三</c:v>
+                </c:pt>
+              </c:strCache>
+            </c:strRef>
+          </c:cat>
+          <c:val>
+            <c:numRef>
+              <c:f>Sheet1!$B$2:$B$3</c:f>
+              <c:numCache>
+                <c:formatCode>General</c:formatCode>
+                <c:ptCount val="2"/>
+                <c:pt idx="0">
+                  <c:v>78.0</c:v>
+                </c:pt>
+                <c:pt idx="1">
+                  <c:v>44.0</c:v>
+                </c:pt>
+              </c:numCache>
+            </c:numRef>
+          </c:val>
+          <c:extLst>
+            <c:ext xmlns:c16="http://schemas.microsoft.com/office/drawing/2014/chart" uri="{C3380CC4-5D6E-409C-BE32-E72D297353CC}">
+              <c16:uniqueId val="{00000000-C955-45FE-A394-BB2D59A50AED}"/>
+            </c:ext>
+          </c:extLst>
+        </c:ser>
+        <c:ser>
+          <c:idx val="1"/>
+          <c:order val="1"/>
+          <c:tx>
+            <c:strRef>
+              <c:f>Sheet1!$C$1</c:f>
+              <c:strCache>
+                <c:ptCount val="1"/>
+                <c:pt idx="0">
+                  <c:v>数学</c:v>
+                </c:pt>
+              </c:strCache>
+            </c:strRef>
+          </c:tx>
+          <c:spPr>
+            <a:solidFill>
+              <a:schemeClr val="accent2"/>
+            </a:solidFill>
+            <a:ln>
+              <a:noFill/>
+            </a:ln>
+            <a:effectLst/>
+          </c:spPr>
+          <c:invertIfNegative val="0"/>
+          <c:dLbls>
+            <c:spPr>
+              <a:noFill/>
+              <a:ln>
+                <a:noFill/>
+              </a:ln>
+              <a:effectLst/>
+            </c:spPr>
+            <c:txPr>
+              <a:bodyPr rot="0" spcFirstLastPara="1" vertOverflow="ellipsis" vert="horz" wrap="square" lIns="38100" tIns="19050" rIns="38100" bIns="19050" anchor="ctr" anchorCtr="1">
+                <a:spAutoFit/>
+              </a:bodyPr>
+              <a:lstStyle/>
+              <a:p>
+                <a:pPr>
+                  <a:defRPr sz="1197" b="0" i="0" u="none" strike="noStrike" kern="1200" baseline="0">
+                    <a:solidFill>
+                      <a:schemeClr val="tx1">
+                        <a:lumMod val="75000"/>
+                        <a:lumOff val="25000"/>
+                      </a:schemeClr>
+                    </a:solidFill>
+                    <a:latin typeface="+mn-lt"/>
+                    <a:ea typeface="+mn-ea"/>
+                    <a:cs typeface="+mn-cs"/>
+                  </a:defRPr>
+                </a:pPr>
+                <a:endParaRPr lang="zh-CN"/>
+              </a:p>
+            </c:txPr>
+            <c:dLblPos val="outEnd"/>
+            <c:showLegendKey val="0"/>
+            <c:showVal val="1"/>
+            <c:showCatName val="0"/>
+            <c:showSerName val="0"/>
+            <c:showPercent val="0"/>
+            <c:showBubbleSize val="0"/>
+            <c:showLeaderLines val="0"/>
+            <c:extLst>
+              <c:ext xmlns:c15="http://schemas.microsoft.com/office/drawing/2012/chart" uri="{CE6537A1-D6FC-4f65-9D91-7224C49458BB}">
+                <c15:showLeaderLines val="1"/>
+                <c15:leaderLines>
+                  <c:spPr>
+                    <a:ln w="9525" cap="flat" cmpd="sng" algn="ctr">
+                      <a:solidFill>
+                        <a:schemeClr val="tx1">
+                          <a:lumMod val="35000"/>
+                          <a:lumOff val="65000"/>
+                        </a:schemeClr>
+                      </a:solidFill>
+                      <a:round/>
+                    </a:ln>
+                    <a:effectLst/>
+                  </c:spPr>
+                </c15:leaderLines>
+              </c:ext>
+            </c:extLst>
+          </c:dLbls>
+          <c:cat>
+            <c:strRef>
+              <c:f>Sheet1!$A$2:$A$3</c:f>
+              <c:strCache>
+                <c:ptCount val="2"/>
+                <c:pt idx="0">
+                  <c:v>李二</c:v>
+                </c:pt>
+                <c:pt idx="1">
+                  <c:v>张三</c:v>
+                </c:pt>
+              </c:strCache>
+            </c:strRef>
+          </c:cat>
+          <c:val>
+            <c:numRef>
+              <c:f>Sheet1!$C$2:$C$3</c:f>
+              <c:numCache>
+                <c:formatCode>General</c:formatCode>
+                <c:ptCount val="2"/>
+                <c:pt idx="0">
+                  <c:v>52.0</c:v>
+                </c:pt>
+                <c:pt idx="1">
+                  <c:v>23.0</c:v>
+                </c:pt>
+              </c:numCache>
+            </c:numRef>
+          </c:val>
+          <c:extLst>
+            <c:ext xmlns:c16="http://schemas.microsoft.com/office/drawing/2014/chart" uri="{C3380CC4-5D6E-409C-BE32-E72D297353CC}">
+              <c16:uniqueId val="{00000001-C955-45FE-A394-BB2D59A50AED}"/>
+            </c:ext>
+          </c:extLst>
+        </c:ser>
+        <c:ser>
+          <c:idx val="2"/>
+          <c:order val="2"/>
+          <c:tx>
+            <c:strRef>
+              <c:f>Sheet1!$D$1</c:f>
+              <c:strCache>
+                <c:ptCount val="1"/>
+                <c:pt idx="0">
+                  <c:v>英语</c:v>
+                </c:pt>
+              </c:strCache>
+            </c:strRef>
+          </c:tx>
+          <c:spPr>
+            <a:solidFill>
+              <a:schemeClr val="accent3"/>
+            </a:solidFill>
+            <a:ln>
+              <a:noFill/>
+            </a:ln>
+            <a:effectLst/>
+          </c:spPr>
+          <c:invertIfNegative val="0"/>
+          <c:dLbls>
+            <c:spPr>
+              <a:noFill/>
+              <a:ln>
+                <a:noFill/>
+              </a:ln>
+              <a:effectLst/>
+            </c:spPr>
+            <c:txPr>
+              <a:bodyPr rot="0" spcFirstLastPara="1" vertOverflow="ellipsis" vert="horz" wrap="square" lIns="38100" tIns="19050" rIns="38100" bIns="19050" anchor="ctr" anchorCtr="1">
+                <a:spAutoFit/>
+              </a:bodyPr>
+              <a:lstStyle/>
+              <a:p>
+                <a:pPr>
+                  <a:defRPr sz="1197" b="0" i="0" u="none" strike="noStrike" kern="1200" baseline="0">
+                    <a:solidFill>
+                      <a:schemeClr val="tx1">
+                        <a:lumMod val="75000"/>
+                        <a:lumOff val="25000"/>
+                      </a:schemeClr>
+                    </a:solidFill>
+                    <a:latin typeface="+mn-lt"/>
+                    <a:ea typeface="+mn-ea"/>
+                    <a:cs typeface="+mn-cs"/>
+                  </a:defRPr>
+                </a:pPr>
+                <a:endParaRPr lang="zh-CN"/>
+              </a:p>
+            </c:txPr>
+            <c:dLblPos val="outEnd"/>
+            <c:showLegendKey val="0"/>
+            <c:showVal val="1"/>
+            <c:showCatName val="0"/>
+            <c:showSerName val="0"/>
+            <c:showPercent val="0"/>
+            <c:showBubbleSize val="0"/>
+            <c:showLeaderLines val="0"/>
+            <c:extLst>
+              <c:ext xmlns:c15="http://schemas.microsoft.com/office/drawing/2012/chart" uri="{CE6537A1-D6FC-4f65-9D91-7224C49458BB}">
+                <c15:showLeaderLines val="1"/>
+                <c15:leaderLines>
+                  <c:spPr>
+                    <a:ln w="9525" cap="flat" cmpd="sng" algn="ctr">
+                      <a:solidFill>
+                        <a:schemeClr val="tx1">
+                          <a:lumMod val="35000"/>
+                          <a:lumOff val="65000"/>
+                        </a:schemeClr>
+                      </a:solidFill>
+                      <a:round/>
+                    </a:ln>
+                    <a:effectLst/>
+                  </c:spPr>
+                </c15:leaderLines>
+              </c:ext>
+            </c:extLst>
+          </c:dLbls>
+          <c:cat>
+            <c:strRef>
+              <c:f>Sheet1!$A$2:$A$3</c:f>
+              <c:strCache>
+                <c:ptCount val="2"/>
+                <c:pt idx="0">
+                  <c:v>李二</c:v>
+                </c:pt>
+                <c:pt idx="1">
+                  <c:v>张三</c:v>
+                </c:pt>
+              </c:strCache>
+            </c:strRef>
+          </c:cat>
+          <c:val>
+            <c:numRef>
+              <c:f>Sheet1!$D$2:$D$3</c:f>
+              <c:numCache>
+                <c:formatCode>General</c:formatCode>
+                <c:ptCount val="2"/>
+                <c:pt idx="0">
+                  <c:v>63.0</c:v>
+                </c:pt>
+                <c:pt idx="1">
+                  <c:v>99.0</c:v>
+                </c:pt>
+              </c:numCache>
+            </c:numRef>
+          </c:val>
+          <c:extLst>
+            <c:ext xmlns:c16="http://schemas.microsoft.com/office/drawing/2014/chart" uri="{C3380CC4-5D6E-409C-BE32-E72D297353CC}">
+              <c16:uniqueId val="{00000002-C955-45FE-A394-BB2D59A50AED}"/>
+            </c:ext>
+          </c:extLst>
+        </c:ser>
+        <c:ser>
+          <c:idx val="3"/>
+          <c:order val="3"/>
+          <c:tx>
+            <c:strRef>
+              <c:f>Sheet1!$E$1</c:f>
+              <c:strCache>
+                <c:ptCount val="1"/>
+                <c:pt idx="0">
+                  <c:v>物理</c:v>
+                </c:pt>
+              </c:strCache>
+            </c:strRef>
+          </c:tx>
+          <c:cat>
+            <c:strRef>
+              <c:f>Sheet1!$A$2:$A$3</c:f>
+              <c:strCache>
+                <c:ptCount val="2"/>
+                <c:pt idx="0">
+                  <c:v>李二</c:v>
+                </c:pt>
+                <c:pt idx="1">
+                  <c:v>张三</c:v>
+                </c:pt>
+              </c:strCache>
+            </c:strRef>
+          </c:cat>
+          <c:val>
+            <c:numRef>
+              <c:f>Sheet1!$E$2:$E$3</c:f>
+              <c:numCache>
+                <c:formatCode>General</c:formatCode>
+                <c:ptCount val="2"/>
+                <c:pt idx="0">
+                  <c:v>40.0</c:v>
+                </c:pt>
+                <c:pt idx="1">
+                  <c:v>50.0</c:v>
+                </c:pt>
+              </c:numCache>
+            </c:numRef>
+          </c:val>
+        </c:ser>
+        <c:dLbls>
+          <c:dLblPos val="outEnd"/>
+          <c:showLegendKey val="0"/>
+          <c:showVal val="1"/>
+          <c:showCatName val="0"/>
+          <c:showSerName val="0"/>
+          <c:showPercent val="0"/>
+          <c:showBubbleSize val="0"/>
+        </c:dLbls>
+        <c:gapWidth val="219"/>
+        <c:overlap val="-27"/>
+        <c:axId val="1805642751"/>
+        <c:axId val="1805643999"/>
+      </c:barChart>
+      <c:catAx>
+        <c:axId val="1805642751"/>
+        <c:scaling>
+          <c:orientation val="minMax"/>
+        </c:scaling>
+        <c:delete val="0"/>
+        <c:axPos val="b"/>
+        <c:numFmt formatCode="General" sourceLinked="1"/>
+        <c:majorTickMark val="none"/>
+        <c:minorTickMark val="none"/>
+        <c:tickLblPos val="nextTo"/>
+        <c:spPr>
+          <a:noFill/>
+          <a:ln w="9525" cap="flat" cmpd="sng" algn="ctr">
+            <a:solidFill>
+              <a:schemeClr val="tx1">
+                <a:lumMod val="15000"/>
+                <a:lumOff val="85000"/>
+              </a:schemeClr>
+            </a:solidFill>
+            <a:round/>
+          </a:ln>
+          <a:effectLst/>
+        </c:spPr>
+        <c:txPr>
+          <a:bodyPr rot="-60000000" spcFirstLastPara="1" vertOverflow="ellipsis" vert="horz" wrap="square" anchor="ctr" anchorCtr="1"/>
+          <a:lstStyle/>
+          <a:p>
+            <a:pPr>
+              <a:defRPr sz="1197" b="0" i="0" u="none" strike="noStrike" kern="1200" baseline="0">
+                <a:solidFill>
+                  <a:schemeClr val="tx1">
+                    <a:lumMod val="65000"/>
+                    <a:lumOff val="35000"/>
+                  </a:schemeClr>
+                </a:solidFill>
+                <a:latin typeface="+mn-lt"/>
+                <a:ea typeface="+mn-ea"/>
+                <a:cs typeface="+mn-cs"/>
+              </a:defRPr>
+            </a:pPr>
+            <a:endParaRPr lang="zh-CN"/>
+          </a:p>
+        </c:txPr>
+        <c:crossAx val="1805643999"/>
+        <c:crosses val="autoZero"/>
+        <c:auto val="1"/>
+        <c:lblAlgn val="ctr"/>
+        <c:lblOffset val="100"/>
+        <c:noMultiLvlLbl val="0"/>
+      </c:catAx>
+      <c:valAx>
+        <c:axId val="1805643999"/>
+        <c:scaling>
+          <c:orientation val="minMax"/>
+        </c:scaling>
+        <c:delete val="0"/>
+        <c:axPos val="l"/>
+        <c:majorGridlines>
+          <c:spPr>
+            <a:ln w="9525" cap="flat" cmpd="sng" algn="ctr">
+              <a:solidFill>
+                <a:schemeClr val="tx1">
+                  <a:lumMod val="15000"/>
+                  <a:lumOff val="85000"/>
+                </a:schemeClr>
+              </a:solidFill>
+              <a:round/>
+            </a:ln>
+            <a:effectLst/>
+          </c:spPr>
+        </c:majorGridlines>
+        <c:numFmt formatCode="General" sourceLinked="1"/>
+        <c:majorTickMark val="none"/>
+        <c:minorTickMark val="none"/>
+        <c:tickLblPos val="nextTo"/>
+        <c:spPr>
+          <a:noFill/>
+          <a:ln>
+            <a:noFill/>
+          </a:ln>
+          <a:effectLst/>
+        </c:spPr>
+        <c:txPr>
+          <a:bodyPr rot="-60000000" spcFirstLastPara="1" vertOverflow="ellipsis" vert="horz" wrap="square" anchor="ctr" anchorCtr="1"/>
+          <a:lstStyle/>
+          <a:p>
+            <a:pPr>
+              <a:defRPr sz="1197" b="0" i="0" u="none" strike="noStrike" kern="1200" baseline="0">
+                <a:solidFill>
+                  <a:schemeClr val="tx1">
+                    <a:lumMod val="65000"/>
+                    <a:lumOff val="35000"/>
+                  </a:schemeClr>
+                </a:solidFill>
+                <a:latin typeface="+mn-lt"/>
+                <a:ea typeface="+mn-ea"/>
+                <a:cs typeface="+mn-cs"/>
+              </a:defRPr>
+            </a:pPr>
+            <a:endParaRPr lang="zh-CN"/>
+          </a:p>
+        </c:txPr>
+        <c:crossAx val="1805642751"/>
+        <c:crosses val="autoZero"/>
+        <c:crossBetween val="between"/>
+      </c:valAx>
+      <c:spPr>
+        <a:noFill/>
+        <a:ln>
+          <a:noFill/>
+        </a:ln>
+        <a:effectLst/>
+      </c:spPr>
+    </c:plotArea>
+    <c:legend>
+      <c:legendPos val="b"/>
+      <c:overlay val="0"/>
+      <c:spPr>
+        <a:noFill/>
+        <a:ln>
+          <a:noFill/>
+        </a:ln>
+        <a:effectLst/>
+      </c:spPr>
+      <c:txPr>
+        <a:bodyPr rot="0" spcFirstLastPara="1" vertOverflow="ellipsis" vert="horz" wrap="square" anchor="ctr" anchorCtr="1"/>
+        <a:lstStyle/>
+        <a:p>
+          <a:pPr>
+            <a:defRPr sz="1197" b="0" i="0" u="none" strike="noStrike" kern="1200" baseline="0">
+              <a:solidFill>
+                <a:schemeClr val="tx1">
+                  <a:lumMod val="65000"/>
+                  <a:lumOff val="35000"/>
+                </a:schemeClr>
+              </a:solidFill>
+              <a:latin typeface="+mn-lt"/>
+              <a:ea typeface="+mn-ea"/>
+              <a:cs typeface="+mn-cs"/>
+            </a:defRPr>
+          </a:pPr>
+          <a:endParaRPr lang="zh-CN"/>
+        </a:p>
+      </c:txPr>
+    </c:legend>
+    <c:plotVisOnly val="1"/>
+    <c:dispBlanksAs val="gap"/>
+    <c:extLst>
+      <c:ext xmlns:c16r3="http://schemas.microsoft.com/office/drawing/2017/03/chart" uri="{56B9EC1D-385E-4148-901F-78D8002777C0}">
+        <c16r3:dataDisplayOptions16>
+          <c16r3:dispNaAsBlank val="1"/>
+        </c16r3:dataDisplayOptions16>
+      </c:ext>
+    </c:extLst>
+    <c:showDLblsOverMax val="0"/>
+  </c:chart>
+  <c:spPr>
+    <a:noFill/>
+    <a:ln>
+      <a:noFill/>
+    </a:ln>
+    <a:effectLst/>
+  </c:spPr>
+  <c:txPr>
+    <a:bodyPr/>
+    <a:lstStyle/>
+    <a:p>
+      <a:pPr>
+        <a:defRPr/>
+      </a:pPr>
+      <a:endParaRPr lang="zh-CN"/>
+    </a:p>
+  </c:txPr>
+  <c:externalData r:id="rId3">
+    <c:autoUpdate val="0"/>
+  </c:externalData>
+</c:chartSpace>
+</file>
+
+<file path=ppt/charts/chart2.xml><?xml version="1.0" encoding="utf-8"?>
+<c:chartSpace xmlns:c="http://schemas.openxmlformats.org/drawingml/2006/chart" xmlns:a="http://schemas.openxmlformats.org/drawingml/2006/main" xmlns:r="http://schemas.openxmlformats.org/officeDocument/2006/relationships" xmlns:c16r2="http://schemas.microsoft.com/office/drawing/2015/06/chart">
+  <c:date1904 val="0"/>
+  <c:lang val="zh-CN"/>
+  <c:roundedCorners val="0"/>
+  <mc:AlternateContent xmlns:mc="http://schemas.openxmlformats.org/markup-compatibility/2006">
+    <mc:Choice xmlns:c14="http://schemas.microsoft.com/office/drawing/2007/8/2/chart" Requires="c14">
+      <c14:style val="102"/>
+    </mc:Choice>
+    <mc:Fallback>
+      <c:style val="2"/>
+    </mc:Fallback>
+  </mc:AlternateContent>
+  <c:chart>
+    <c:title>
       <c:overlay val="0"/>
       <c:spPr>
         <a:noFill/>
@@ -230,7 +900,7 @@
           </c:val>
           <c:extLst>
             <c:ext xmlns:c16="http://schemas.microsoft.com/office/drawing/2014/chart" uri="{C3380CC4-5D6E-409C-BE32-E72D297353CC}">
-              <c16:uniqueId val="{00000000-C955-45FE-A394-BB2D59A50AED}"/>
+              <c16:uniqueId val="{00000000-02E7-4DB1-80E9-B42A38D9F619}"/>
             </c:ext>
           </c:extLst>
         </c:ser>
@@ -301,78 +971,7 @@
           </c:val>
           <c:extLst>
             <c:ext xmlns:c16="http://schemas.microsoft.com/office/drawing/2014/chart" uri="{C3380CC4-5D6E-409C-BE32-E72D297353CC}">
-              <c16:uniqueId val="{00000001-C955-45FE-A394-BB2D59A50AED}"/>
-            </c:ext>
-          </c:extLst>
-        </c:ser>
-        <c:ser>
-          <c:idx val="2"/>
-          <c:order val="2"/>
-          <c:tx>
-            <c:strRef>
-              <c:f>Sheet1!$D$1</c:f>
-              <c:strCache>
-                <c:ptCount val="1"/>
-                <c:pt idx="0">
-                  <c:v>系列 3</c:v>
-                </c:pt>
-              </c:strCache>
-            </c:strRef>
-          </c:tx>
-          <c:spPr>
-            <a:solidFill>
-              <a:schemeClr val="accent3"/>
-            </a:solidFill>
-            <a:ln>
-              <a:noFill/>
-            </a:ln>
-            <a:effectLst/>
-          </c:spPr>
-          <c:invertIfNegative val="0"/>
-          <c:cat>
-            <c:strRef>
-              <c:f>Sheet1!$A$2:$A$5</c:f>
-              <c:strCache>
-                <c:ptCount val="4"/>
-                <c:pt idx="0">
-                  <c:v>类别 1</c:v>
-                </c:pt>
-                <c:pt idx="1">
-                  <c:v>类别 2</c:v>
-                </c:pt>
-                <c:pt idx="2">
-                  <c:v>类别 3</c:v>
-                </c:pt>
-                <c:pt idx="3">
-                  <c:v>类别 4</c:v>
-                </c:pt>
-              </c:strCache>
-            </c:strRef>
-          </c:cat>
-          <c:val>
-            <c:numRef>
-              <c:f>Sheet1!$D$2:$D$5</c:f>
-              <c:numCache>
-                <c:formatCode>General</c:formatCode>
-                <c:ptCount val="4"/>
-                <c:pt idx="0">
-                  <c:v>2</c:v>
-                </c:pt>
-                <c:pt idx="1">
-                  <c:v>2</c:v>
-                </c:pt>
-                <c:pt idx="2">
-                  <c:v>3</c:v>
-                </c:pt>
-                <c:pt idx="3">
-                  <c:v>5</c:v>
-                </c:pt>
-              </c:numCache>
-            </c:numRef>
-          </c:val>
-          <c:extLst>
-            <c:ext xmlns:c16="http://schemas.microsoft.com/office/drawing/2014/chart" uri="{C3380CC4-5D6E-409C-BE32-E72D297353CC}">
-              <c16:uniqueId val="{00000002-C955-45FE-A394-BB2D59A50AED}"/>
+              <c16:uniqueId val="{00000001-02E7-4DB1-80E9-B42A38D9F619}"/>
             </c:ext>
           </c:extLst>
         </c:ser>
@@ -386,11 +985,101 @@
         </c:dLbls>
         <c:gapWidth val="219"/>
         <c:overlap val="-27"/>
-        <c:axId val="1805642751"/>
-        <c:axId val="1805643999"/>
+        <c:axId val="1378761344"/>
+        <c:axId val="1378769248"/>
       </c:barChart>
+      <c:lineChart>
+        <c:grouping val="standard"/>
+        <c:varyColors val="0"/>
+        <c:ser>
+          <c:idx val="2"/>
+          <c:order val="2"/>
+          <c:tx>
+            <c:strRef>
+              <c:f>Sheet1!$D$1</c:f>
+              <c:strCache>
+                <c:ptCount val="1"/>
+                <c:pt idx="0">
+                  <c:v>系列 3</c:v>
+                </c:pt>
+              </c:strCache>
+            </c:strRef>
+          </c:tx>
+          <c:spPr>
+            <a:ln w="28575" cap="rnd">
+              <a:solidFill>
+                <a:schemeClr val="accent3"/>
+              </a:solidFill>
+              <a:round/>
+            </a:ln>
+            <a:effectLst/>
+          </c:spPr>
+          <c:marker>
+            <c:symbol val="none"/>
+          </c:marker>
+          <c:cat>
+            <c:strRef>
+              <c:f>Sheet1!$A$2:$A$5</c:f>
+              <c:strCache>
+                <c:ptCount val="4"/>
+                <c:pt idx="0">
+                  <c:v>类别 1</c:v>
+                </c:pt>
+                <c:pt idx="1">
+                  <c:v>类别 2</c:v>
+                </c:pt>
+                <c:pt idx="2">
+                  <c:v>类别 3</c:v>
+                </c:pt>
+                <c:pt idx="3">
+                  <c:v>类别 4</c:v>
+                </c:pt>
+              </c:strCache>
+            </c:strRef>
+          </c:cat>
+          <c:val>
+            <c:numRef>
+              <c:f>Sheet1!$D$2:$D$5</c:f>
+              <c:numCache>
+                <c:formatCode>General</c:formatCode>
+                <c:ptCount val="4"/>
+                <c:pt idx="0">
+                  <c:v>2</c:v>
+                </c:pt>
+                <c:pt idx="1">
+                  <c:v>2</c:v>
+                </c:pt>
+                <c:pt idx="2">
+                  <c:v>3</c:v>
+                </c:pt>
+                <c:pt idx="3">
+                  <c:v>5</c:v>
+                </c:pt>
+              </c:numCache>
+            </c:numRef>
+          </c:val>
+          <c:smooth val="0"/>
+          <c:extLst>
+            <c:ext xmlns:c16="http://schemas.microsoft.com/office/drawing/2014/chart" uri="{C3380CC4-5D6E-409C-BE32-E72D297353CC}">
+              <c16:uniqueId val="{00000002-02E7-4DB1-80E9-B42A38D9F619}"/>
+            </c:ext>
+          </c:extLst>
+        </c:ser>
+        <c:dLbls>
+          <c:showLegendKey val="0"/>
+          <c:showVal val="0"/>
+          <c:showCatName val="0"/>
+          <c:showSerName val="0"/>
+          <c:showPercent val="0"/>
+          <c:showBubbleSize val="0"/>
+        </c:dLbls>
+        <c:marker val="1"/>
+        <c:smooth val="0"/>
+        <c:axId val="1378761344"/>
+        <c:axId val="1378769248"/>
+      </c:lineChart>
       <c:catAx>
-        <c:axId val="1805642751"/>
+        <c:axId val="1378761344"/>
         <c:scaling>
           <c:orientation val="minMax"/>
         </c:scaling>
@@ -433,7 +1122,7 @@
             <a:endParaRPr lang="zh-CN"/>
           </a:p>
         </c:txPr>
-        <c:crossAx val="1805643999"/>
+        <c:crossAx val="1378769248"/>
         <c:crosses val="autoZero"/>
         <c:auto val="1"/>
         <c:lblAlgn val="ctr"/>
@@ -441,7 +1130,7 @@
         <c:noMultiLvlLbl val="0"/>
       </c:catAx>
       <c:valAx>
-        <c:axId val="1805643999"/>
+        <c:axId val="1378769248"/>
         <c:scaling>
           <c:orientation val="minMax"/>
         </c:scaling>
@@ -492,7 +1181,920 @@
             <a:endParaRPr lang="zh-CN"/>
           </a:p>
         </c:txPr>
-        <c:crossAx val="1805642751"/>
+        <c:crossAx val="1378761344"/>
+        <c:crosses val="autoZero"/>
+        <c:crossBetween val="between"/>
+      </c:valAx>
+      <c:spPr>
+        <a:noFill/>
+        <a:ln>
+          <a:noFill/>
+        </a:ln>
+        <a:effectLst/>
+      </c:spPr>
+    </c:plotArea>
+    <c:legend>
+      <c:legendPos val="b"/>
+      <c:overlay val="0"/>
+      <c:spPr>
+        <a:noFill/>
+        <a:ln>
+          <a:noFill/>
+        </a:ln>
+        <a:effectLst/>
+      </c:spPr>
+      <c:txPr>
+        <a:bodyPr rot="0" spcFirstLastPara="1" vertOverflow="ellipsis" vert="horz" wrap="square" anchor="ctr" anchorCtr="1"/>
+        <a:lstStyle/>
+        <a:p>
+          <a:pPr>
+            <a:defRPr sz="1197" b="0" i="0" u="none" strike="noStrike" kern="1200" baseline="0">
+              <a:solidFill>
+                <a:schemeClr val="tx1">
+                  <a:lumMod val="65000"/>
+                  <a:lumOff val="35000"/>
+                </a:schemeClr>
+              </a:solidFill>
+              <a:latin typeface="+mn-lt"/>
+              <a:ea typeface="+mn-ea"/>
+              <a:cs typeface="+mn-cs"/>
+            </a:defRPr>
+          </a:pPr>
+          <a:endParaRPr lang="zh-CN"/>
+        </a:p>
+      </c:txPr>
+    </c:legend>
+    <c:plotVisOnly val="1"/>
+    <c:dispBlanksAs val="gap"/>
+    <c:extLst>
+      <c:ext xmlns:c16r3="http://schemas.microsoft.com/office/drawing/2017/03/chart" uri="{56B9EC1D-385E-4148-901F-78D8002777C0}">
+        <c16r3:dataDisplayOptions16>
+          <c16r3:dispNaAsBlank val="1"/>
+        </c16r3:dataDisplayOptions16>
+      </c:ext>
+    </c:extLst>
+    <c:showDLblsOverMax val="0"/>
+  </c:chart>
+  <c:spPr>
+    <a:noFill/>
+    <a:ln>
+      <a:noFill/>
+    </a:ln>
+    <a:effectLst/>
+  </c:spPr>
+  <c:txPr>
+    <a:bodyPr/>
+    <a:lstStyle/>
+    <a:p>
+      <a:pPr>
+        <a:defRPr/>
+      </a:pPr>
+      <a:endParaRPr lang="zh-CN"/>
+    </a:p>
+  </c:txPr>
+  <c:externalData r:id="rId3">
+    <c:autoUpdate val="0"/>
+  </c:externalData>
+</c:chartSpace>
+</file>
+
+<file path=ppt/charts/chart3.xml><?xml version="1.0" encoding="utf-8"?>
+<c:chartSpace xmlns:c="http://schemas.openxmlformats.org/drawingml/2006/chart" xmlns:a="http://schemas.openxmlformats.org/drawingml/2006/main" xmlns:r="http://schemas.openxmlformats.org/officeDocument/2006/relationships" xmlns:c16r2="http://schemas.microsoft.com/office/drawing/2015/06/chart">
+  <c:date1904 val="0"/>
+  <c:lang val="zh-CN"/>
+  <c:roundedCorners val="0"/>
+  <mc:AlternateContent xmlns:mc="http://schemas.openxmlformats.org/markup-compatibility/2006">
+    <mc:Choice xmlns:c14="http://schemas.microsoft.com/office/drawing/2007/8/2/chart" Requires="c14">
+      <c14:style val="102"/>
+    </mc:Choice>
+    <mc:Fallback>
+      <c:style val="2"/>
+    </mc:Fallback>
+  </mc:AlternateContent>
+  <c:chart>
+    <c:title>
+      <c:overlay val="0"/>
+      <c:spPr>
+        <a:noFill/>
+        <a:ln>
+          <a:noFill/>
+        </a:ln>
+        <a:effectLst/>
+      </c:spPr>
+      <c:txPr>
+        <a:bodyPr rot="0" spcFirstLastPara="1" vertOverflow="ellipsis" vert="horz" wrap="square" anchor="ctr" anchorCtr="1"/>
+        <a:lstStyle/>
+        <a:p>
+          <a:pPr>
+            <a:defRPr sz="1862" b="0" i="0" u="none" strike="noStrike" kern="1200" spc="0" baseline="0">
+              <a:solidFill>
+                <a:schemeClr val="tx1">
+                  <a:lumMod val="65000"/>
+                  <a:lumOff val="35000"/>
+                </a:schemeClr>
+              </a:solidFill>
+              <a:latin typeface="+mn-lt"/>
+              <a:ea typeface="+mn-ea"/>
+              <a:cs typeface="+mn-cs"/>
+            </a:defRPr>
+          </a:pPr>
+          <a:endParaRPr lang="zh-CN"/>
+        </a:p>
+      </c:txPr>
+    </c:title>
+    <c:autoTitleDeleted val="0"/>
+    <c:plotArea>
+      <c:layout/>
+      <c:barChart>
+        <c:barDir val="bar"/>
+        <c:grouping val="clustered"/>
+        <c:varyColors val="0"/>
+        <c:ser>
+          <c:idx val="0"/>
+          <c:order val="0"/>
+          <c:tx>
+            <c:strRef>
+              <c:f>Sheet1!$B$1</c:f>
+              <c:strCache>
+                <c:ptCount val="1"/>
+                <c:pt idx="0">
+                  <c:v>系列 1</c:v>
+                </c:pt>
+              </c:strCache>
+            </c:strRef>
+          </c:tx>
+          <c:spPr>
+            <a:solidFill>
+              <a:schemeClr val="accent1"/>
+            </a:solidFill>
+            <a:ln>
+              <a:noFill/>
+            </a:ln>
+            <a:effectLst/>
+          </c:spPr>
+          <c:invertIfNegative val="0"/>
+          <c:cat>
+            <c:strRef>
+              <c:f>Sheet1!$A$2:$A$5</c:f>
+              <c:strCache>
+                <c:ptCount val="4"/>
+                <c:pt idx="0">
+                  <c:v>类别 1</c:v>
+                </c:pt>
+                <c:pt idx="1">
+                  <c:v>类别 2</c:v>
+                </c:pt>
+                <c:pt idx="2">
+                  <c:v>类别 3</c:v>
+                </c:pt>
+                <c:pt idx="3">
+                  <c:v>类别 4</c:v>
+                </c:pt>
+              </c:strCache>
+            </c:strRef>
+          </c:cat>
+          <c:val>
+            <c:numRef>
+              <c:f>Sheet1!$B$2:$B$5</c:f>
+              <c:numCache>
+                <c:formatCode>General</c:formatCode>
+                <c:ptCount val="4"/>
+                <c:pt idx="0">
+                  <c:v>4.3</c:v>
+                </c:pt>
+                <c:pt idx="1">
+                  <c:v>2.5</c:v>
+                </c:pt>
+                <c:pt idx="2">
+                  <c:v>3.5</c:v>
+                </c:pt>
+                <c:pt idx="3">
+                  <c:v>4.5</c:v>
+                </c:pt>
+              </c:numCache>
+            </c:numRef>
+          </c:val>
+          <c:extLst>
+            <c:ext xmlns:c16="http://schemas.microsoft.com/office/drawing/2014/chart" uri="{C3380CC4-5D6E-409C-BE32-E72D297353CC}">
+              <c16:uniqueId val="{00000000-D0C7-4BD7-954E-E5997D972ECC}"/>
+            </c:ext>
+          </c:extLst>
+        </c:ser>
+        <c:ser>
+          <c:idx val="1"/>
+          <c:order val="1"/>
+          <c:tx>
+            <c:strRef>
+              <c:f>Sheet1!$C$1</c:f>
+              <c:strCache>
+                <c:ptCount val="1"/>
+                <c:pt idx="0">
+                  <c:v>系列 2</c:v>
+                </c:pt>
+              </c:strCache>
+            </c:strRef>
+          </c:tx>
+          <c:spPr>
+            <a:solidFill>
+              <a:schemeClr val="accent2"/>
+            </a:solidFill>
+            <a:ln>
+              <a:noFill/>
+            </a:ln>
+            <a:effectLst/>
+          </c:spPr>
+          <c:invertIfNegative val="0"/>
+          <c:cat>
+            <c:strRef>
+              <c:f>Sheet1!$A$2:$A$5</c:f>
+              <c:strCache>
+                <c:ptCount val="4"/>
+                <c:pt idx="0">
+                  <c:v>类别 1</c:v>
+                </c:pt>
+                <c:pt idx="1">
+                  <c:v>类别 2</c:v>
+                </c:pt>
+                <c:pt idx="2">
+                  <c:v>类别 3</c:v>
+                </c:pt>
+                <c:pt idx="3">
+                  <c:v>类别 4</c:v>
+                </c:pt>
+              </c:strCache>
+            </c:strRef>
+          </c:cat>
+          <c:val>
+            <c:numRef>
+              <c:f>Sheet1!$C$2:$C$5</c:f>
+              <c:numCache>
+                <c:formatCode>General</c:formatCode>
+                <c:ptCount val="4"/>
+                <c:pt idx="0">
+                  <c:v>2.4</c:v>
+                </c:pt>
+                <c:pt idx="1">
+                  <c:v>4.4000000000000004</c:v>
+                </c:pt>
+                <c:pt idx="2">
+                  <c:v>1.8</c:v>
+                </c:pt>
+                <c:pt idx="3">
+                  <c:v>2.8</c:v>
+                </c:pt>
+              </c:numCache>
+            </c:numRef>
+          </c:val>
+          <c:extLst>
+            <c:ext xmlns:c16="http://schemas.microsoft.com/office/drawing/2014/chart" uri="{C3380CC4-5D6E-409C-BE32-E72D297353CC}">
+              <c16:uniqueId val="{00000001-D0C7-4BD7-954E-E5997D972ECC}"/>
+            </c:ext>
+          </c:extLst>
+        </c:ser>
+        <c:ser>
+          <c:idx val="2"/>
+          <c:order val="2"/>
+          <c:tx>
+            <c:strRef>
+              <c:f>Sheet1!$D$1</c:f>
+              <c:strCache>
+                <c:ptCount val="1"/>
+                <c:pt idx="0">
+                  <c:v>系列 3</c:v>
+                </c:pt>
+              </c:strCache>
+            </c:strRef>
+          </c:tx>
+          <c:spPr>
+            <a:solidFill>
+              <a:schemeClr val="accent3"/>
+            </a:solidFill>
+            <a:ln>
+              <a:noFill/>
+            </a:ln>
+            <a:effectLst/>
+          </c:spPr>
+          <c:invertIfNegative val="0"/>
+          <c:cat>
+            <c:strRef>
+              <c:f>Sheet1!$A$2:$A$5</c:f>
+              <c:strCache>
+                <c:ptCount val="4"/>
+                <c:pt idx="0">
+                  <c:v>类别 1</c:v>
+                </c:pt>
+                <c:pt idx="1">
+                  <c:v>类别 2</c:v>
+                </c:pt>
+                <c:pt idx="2">
+                  <c:v>类别 3</c:v>
+                </c:pt>
+                <c:pt idx="3">
+                  <c:v>类别 4</c:v>
+                </c:pt>
+              </c:strCache>
+            </c:strRef>
+          </c:cat>
+          <c:val>
+            <c:numRef>
+              <c:f>Sheet1!$D$2:$D$5</c:f>
+              <c:numCache>
+                <c:formatCode>General</c:formatCode>
+                <c:ptCount val="4"/>
+                <c:pt idx="0">
+                  <c:v>2</c:v>
+                </c:pt>
+                <c:pt idx="1">
+                  <c:v>2</c:v>
+                </c:pt>
+                <c:pt idx="2">
+                  <c:v>3</c:v>
+                </c:pt>
+                <c:pt idx="3">
+                  <c:v>5</c:v>
+                </c:pt>
+              </c:numCache>
+            </c:numRef>
+          </c:val>
+          <c:extLst>
+            <c:ext xmlns:c16="http://schemas.microsoft.com/office/drawing/2014/chart" uri="{C3380CC4-5D6E-409C-BE32-E72D297353CC}">
+              <c16:uniqueId val="{00000002-D0C7-4BD7-954E-E5997D972ECC}"/>
+            </c:ext>
+          </c:extLst>
+        </c:ser>
+        <c:dLbls>
+          <c:showLegendKey val="0"/>
+          <c:showVal val="0"/>
+          <c:showCatName val="0"/>
+          <c:showSerName val="0"/>
+          <c:showPercent val="0"/>
+          <c:showBubbleSize val="0"/>
+        </c:dLbls>
+        <c:gapWidth val="219"/>
+        <c:axId val="1250161375"/>
+        <c:axId val="1250167199"/>
+      </c:barChart>
+      <c:catAx>
+        <c:axId val="1250161375"/>
+        <c:scaling>
+          <c:orientation val="minMax"/>
+        </c:scaling>
+        <c:delete val="0"/>
+        <c:axPos val="l"/>
+        <c:numFmt formatCode="General" sourceLinked="1"/>
+        <c:majorTickMark val="none"/>
+        <c:minorTickMark val="none"/>
+        <c:tickLblPos val="nextTo"/>
+        <c:spPr>
+          <a:noFill/>
+          <a:ln w="9525" cap="flat" cmpd="sng" algn="ctr">
+            <a:solidFill>
+              <a:schemeClr val="tx1">
+                <a:lumMod val="15000"/>
+                <a:lumOff val="85000"/>
+              </a:schemeClr>
+            </a:solidFill>
+            <a:round/>
+          </a:ln>
+          <a:effectLst/>
+        </c:spPr>
+        <c:txPr>
+          <a:bodyPr rot="-60000000" spcFirstLastPara="1" vertOverflow="ellipsis" vert="horz" wrap="square" anchor="ctr" anchorCtr="1"/>
+          <a:lstStyle/>
+          <a:p>
+            <a:pPr>
+              <a:defRPr sz="1197" b="0" i="0" u="none" strike="noStrike" kern="1200" baseline="0">
+                <a:solidFill>
+                  <a:schemeClr val="tx1">
+                    <a:lumMod val="65000"/>
+                    <a:lumOff val="35000"/>
+                  </a:schemeClr>
+                </a:solidFill>
+                <a:latin typeface="+mn-lt"/>
+                <a:ea typeface="+mn-ea"/>
+                <a:cs typeface="+mn-cs"/>
+              </a:defRPr>
+            </a:pPr>
+            <a:endParaRPr lang="zh-CN"/>
+          </a:p>
+        </c:txPr>
+        <c:crossAx val="1250167199"/>
+        <c:crosses val="autoZero"/>
+        <c:auto val="1"/>
+        <c:lblAlgn val="ctr"/>
+        <c:lblOffset val="100"/>
+        <c:noMultiLvlLbl val="0"/>
+      </c:catAx>
+      <c:valAx>
+        <c:axId val="1250167199"/>
+        <c:scaling>
+          <c:orientation val="minMax"/>
+        </c:scaling>
+        <c:delete val="0"/>
+        <c:axPos val="b"/>
+        <c:majorGridlines>
+          <c:spPr>
+            <a:ln w="9525" cap="flat" cmpd="sng" algn="ctr">
+              <a:solidFill>
+                <a:schemeClr val="tx1">
+                  <a:lumMod val="15000"/>
+                  <a:lumOff val="85000"/>
+                </a:schemeClr>
+              </a:solidFill>
+              <a:round/>
+            </a:ln>
+            <a:effectLst/>
+          </c:spPr>
+        </c:majorGridlines>
+        <c:numFmt formatCode="General" sourceLinked="1"/>
+        <c:majorTickMark val="none"/>
+        <c:minorTickMark val="none"/>
+        <c:tickLblPos val="nextTo"/>
+        <c:spPr>
+          <a:noFill/>
+          <a:ln>
+            <a:noFill/>
+          </a:ln>
+          <a:effectLst/>
+        </c:spPr>
+        <c:txPr>
+          <a:bodyPr rot="-60000000" spcFirstLastPara="1" vertOverflow="ellipsis" vert="horz" wrap="square" anchor="ctr" anchorCtr="1"/>
+          <a:lstStyle/>
+          <a:p>
+            <a:pPr>
+              <a:defRPr sz="1197" b="0" i="0" u="none" strike="noStrike" kern="1200" baseline="0">
+                <a:solidFill>
+                  <a:schemeClr val="tx1">
+                    <a:lumMod val="65000"/>
+                    <a:lumOff val="35000"/>
+                  </a:schemeClr>
+                </a:solidFill>
+                <a:latin typeface="+mn-lt"/>
+                <a:ea typeface="+mn-ea"/>
+                <a:cs typeface="+mn-cs"/>
+              </a:defRPr>
+            </a:pPr>
+            <a:endParaRPr lang="zh-CN"/>
+          </a:p>
+        </c:txPr>
+        <c:crossAx val="1250161375"/>
+        <c:crosses val="autoZero"/>
+        <c:crossBetween val="between"/>
+      </c:valAx>
+      <c:spPr>
+        <a:noFill/>
+        <a:ln>
+          <a:noFill/>
+        </a:ln>
+        <a:effectLst/>
+      </c:spPr>
+    </c:plotArea>
+    <c:legend>
+      <c:legendPos val="b"/>
+      <c:overlay val="0"/>
+      <c:spPr>
+        <a:noFill/>
+        <a:ln>
+          <a:noFill/>
+        </a:ln>
+        <a:effectLst/>
+      </c:spPr>
+      <c:txPr>
+        <a:bodyPr rot="0" spcFirstLastPara="1" vertOverflow="ellipsis" vert="horz" wrap="square" anchor="ctr" anchorCtr="1"/>
+        <a:lstStyle/>
+        <a:p>
+          <a:pPr>
+            <a:defRPr sz="1197" b="0" i="0" u="none" strike="noStrike" kern="1200" baseline="0">
+              <a:solidFill>
+                <a:schemeClr val="tx1">
+                  <a:lumMod val="65000"/>
+                  <a:lumOff val="35000"/>
+                </a:schemeClr>
+              </a:solidFill>
+              <a:latin typeface="+mn-lt"/>
+              <a:ea typeface="+mn-ea"/>
+              <a:cs typeface="+mn-cs"/>
+            </a:defRPr>
+          </a:pPr>
+          <a:endParaRPr lang="zh-CN"/>
+        </a:p>
+      </c:txPr>
+    </c:legend>
+    <c:plotVisOnly val="1"/>
+    <c:dispBlanksAs val="gap"/>
+    <c:extLst>
+      <c:ext xmlns:c16r3="http://schemas.microsoft.com/office/drawing/2017/03/chart" uri="{56B9EC1D-385E-4148-901F-78D8002777C0}">
+        <c16r3:dataDisplayOptions16>
+          <c16r3:dispNaAsBlank val="1"/>
+        </c16r3:dataDisplayOptions16>
+      </c:ext>
+    </c:extLst>
+    <c:showDLblsOverMax val="0"/>
+  </c:chart>
+  <c:spPr>
+    <a:noFill/>
+    <a:ln>
+      <a:noFill/>
+    </a:ln>
+    <a:effectLst/>
+  </c:spPr>
+  <c:txPr>
+    <a:bodyPr/>
+    <a:lstStyle/>
+    <a:p>
+      <a:pPr>
+        <a:defRPr/>
+      </a:pPr>
+      <a:endParaRPr lang="zh-CN"/>
+    </a:p>
+  </c:txPr>
+  <c:externalData r:id="rId3">
+    <c:autoUpdate val="0"/>
+  </c:externalData>
+</c:chartSpace>
+</file>
+
+<file path=ppt/charts/chart4.xml><?xml version="1.0" encoding="utf-8"?>
+<c:chartSpace xmlns:c="http://schemas.openxmlformats.org/drawingml/2006/chart" xmlns:a="http://schemas.openxmlformats.org/drawingml/2006/main" xmlns:r="http://schemas.openxmlformats.org/officeDocument/2006/relationships" xmlns:c16r2="http://schemas.microsoft.com/office/drawing/2015/06/chart">
+  <c:date1904 val="0"/>
+  <c:lang val="zh-CN"/>
+  <c:roundedCorners val="0"/>
+  <mc:AlternateContent xmlns:mc="http://schemas.openxmlformats.org/markup-compatibility/2006">
+    <mc:Choice xmlns:c14="http://schemas.microsoft.com/office/drawing/2007/8/2/chart" Requires="c14">
+      <c14:style val="102"/>
+    </mc:Choice>
+    <mc:Fallback>
+      <c:style val="2"/>
+    </mc:Fallback>
+  </mc:AlternateContent>
+  <c:chart>
+    <c:title>
+      <c:overlay val="0"/>
+      <c:spPr>
+        <a:noFill/>
+        <a:ln>
+          <a:noFill/>
+        </a:ln>
+        <a:effectLst/>
+      </c:spPr>
+      <c:txPr>
+        <a:bodyPr rot="0" spcFirstLastPara="1" vertOverflow="ellipsis" vert="horz" wrap="square" anchor="ctr" anchorCtr="1"/>
+        <a:lstStyle/>
+        <a:p>
+          <a:pPr>
+            <a:defRPr sz="1862" b="0" i="0" u="none" strike="noStrike" kern="1200" spc="0" baseline="0">
+              <a:solidFill>
+                <a:schemeClr val="tx1">
+                  <a:lumMod val="65000"/>
+                  <a:lumOff val="35000"/>
+                </a:schemeClr>
+              </a:solidFill>
+              <a:latin typeface="+mn-lt"/>
+              <a:ea typeface="+mn-ea"/>
+              <a:cs typeface="+mn-cs"/>
+            </a:defRPr>
+          </a:pPr>
+          <a:endParaRPr lang="zh-CN"/>
+        </a:p>
+      </c:txPr>
+    </c:title>
+    <c:autoTitleDeleted val="0"/>
+    <c:plotArea>
+      <c:layout/>
+      <c:barChart>
+        <c:barDir val="col"/>
+        <c:grouping val="clustered"/>
+        <c:varyColors val="0"/>
+        <c:ser>
+          <c:idx val="0"/>
+          <c:order val="0"/>
+          <c:tx>
+            <c:strRef>
+              <c:f>Sheet1!$B$1</c:f>
+              <c:strCache>
+                <c:ptCount val="1"/>
+                <c:pt idx="0">
+                  <c:v>系列 1</c:v>
+                </c:pt>
+              </c:strCache>
+            </c:strRef>
+          </c:tx>
+          <c:spPr>
+            <a:solidFill>
+              <a:schemeClr val="accent1"/>
+            </a:solidFill>
+            <a:ln>
+              <a:noFill/>
+            </a:ln>
+            <a:effectLst/>
+          </c:spPr>
+          <c:invertIfNegative val="0"/>
+          <c:cat>
+            <c:strRef>
+              <c:f>Sheet1!$A$2:$A$5</c:f>
+              <c:strCache>
+                <c:ptCount val="4"/>
+                <c:pt idx="0">
+                  <c:v>类别 1</c:v>
+                </c:pt>
+                <c:pt idx="1">
+                  <c:v>类别 2</c:v>
+                </c:pt>
+                <c:pt idx="2">
+                  <c:v>类别 3</c:v>
+                </c:pt>
+                <c:pt idx="3">
+                  <c:v>类别 4</c:v>
+                </c:pt>
+              </c:strCache>
+            </c:strRef>
+          </c:cat>
+          <c:val>
+            <c:numRef>
+              <c:f>Sheet1!$B$2:$B$5</c:f>
+              <c:numCache>
+                <c:formatCode>General</c:formatCode>
+                <c:ptCount val="4"/>
+                <c:pt idx="0">
+                  <c:v>4.3</c:v>
+                </c:pt>
+                <c:pt idx="1">
+                  <c:v>2.5</c:v>
+                </c:pt>
+                <c:pt idx="2">
+                  <c:v>3.5</c:v>
+                </c:pt>
+                <c:pt idx="3">
+                  <c:v>4.5</c:v>
+                </c:pt>
+              </c:numCache>
+            </c:numRef>
+          </c:val>
+          <c:extLst>
+            <c:ext xmlns:c16="http://schemas.microsoft.com/office/drawing/2014/chart" uri="{C3380CC4-5D6E-409C-BE32-E72D297353CC}">
+              <c16:uniqueId val="{00000000-6B1C-4A81-BE6C-BD3D977F9BE6}"/>
+            </c:ext>
+          </c:extLst>
+        </c:ser>
+        <c:ser>
+          <c:idx val="1"/>
+          <c:order val="1"/>
+          <c:tx>
+            <c:strRef>
+              <c:f>Sheet1!$C$1</c:f>
+              <c:strCache>
+                <c:ptCount val="1"/>
+                <c:pt idx="0">
+                  <c:v>系列 2</c:v>
+                </c:pt>
+              </c:strCache>
+            </c:strRef>
+          </c:tx>
+          <c:spPr>
+            <a:solidFill>
+              <a:schemeClr val="accent2"/>
+            </a:solidFill>
+            <a:ln>
+              <a:noFill/>
+            </a:ln>
+            <a:effectLst/>
+          </c:spPr>
+          <c:invertIfNegative val="0"/>
+          <c:cat>
+            <c:strRef>
+              <c:f>Sheet1!$A$2:$A$5</c:f>
+              <c:strCache>
+                <c:ptCount val="4"/>
+                <c:pt idx="0">
+                  <c:v>类别 1</c:v>
+                </c:pt>
+                <c:pt idx="1">
+                  <c:v>类别 2</c:v>
+                </c:pt>
+                <c:pt idx="2">
+                  <c:v>类别 3</c:v>
+                </c:pt>
+                <c:pt idx="3">
+                  <c:v>类别 4</c:v>
+                </c:pt>
+              </c:strCache>
+            </c:strRef>
+          </c:cat>
+          <c:val>
+            <c:numRef>
+              <c:f>Sheet1!$C$2:$C$5</c:f>
+              <c:numCache>
+                <c:formatCode>General</c:formatCode>
+                <c:ptCount val="4"/>
+                <c:pt idx="0">
+                  <c:v>2.4</c:v>
+                </c:pt>
+                <c:pt idx="1">
+                  <c:v>4.4000000000000004</c:v>
+                </c:pt>
+                <c:pt idx="2">
+                  <c:v>1.8</c:v>
+                </c:pt>
+                <c:pt idx="3">
+                  <c:v>2.8</c:v>
+                </c:pt>
+              </c:numCache>
+            </c:numRef>
+          </c:val>
+          <c:extLst>
+            <c:ext xmlns:c16="http://schemas.microsoft.com/office/drawing/2014/chart" uri="{C3380CC4-5D6E-409C-BE32-E72D297353CC}">
+              <c16:uniqueId val="{00000001-6B1C-4A81-BE6C-BD3D977F9BE6}"/>
+            </c:ext>
+          </c:extLst>
+        </c:ser>
+        <c:ser>
+          <c:idx val="2"/>
+          <c:order val="2"/>
+          <c:tx>
+            <c:strRef>
+              <c:f>Sheet1!$D$1</c:f>
+              <c:strCache>
+                <c:ptCount val="1"/>
+                <c:pt idx="0">
+                  <c:v>系列 3</c:v>
+                </c:pt>
+              </c:strCache>
+            </c:strRef>
+          </c:tx>
+          <c:spPr>
+            <a:solidFill>
+              <a:schemeClr val="accent3"/>
+            </a:solidFill>
+            <a:ln>
+              <a:noFill/>
+            </a:ln>
+            <a:effectLst/>
+          </c:spPr>
+          <c:invertIfNegative val="0"/>
+          <c:cat>
+            <c:strRef>
+              <c:f>Sheet1!$A$2:$A$5</c:f>
+              <c:strCache>
+                <c:ptCount val="4"/>
+                <c:pt idx="0">
+                  <c:v>类别 1</c:v>
+                </c:pt>
+                <c:pt idx="1">
+                  <c:v>类别 2</c:v>
+                </c:pt>
+                <c:pt idx="2">
+                  <c:v>类别 3</c:v>
+                </c:pt>
+                <c:pt idx="3">
+                  <c:v>类别 4</c:v>
+                </c:pt>
+              </c:strCache>
+            </c:strRef>
+          </c:cat>
+          <c:val>
+            <c:numRef>
+              <c:f>Sheet1!$D$2:$D$5</c:f>
+              <c:numCache>
+                <c:formatCode>General</c:formatCode>
+                <c:ptCount val="4"/>
+                <c:pt idx="0">
+                  <c:v>2</c:v>
+                </c:pt>
+                <c:pt idx="1">
+                  <c:v>2</c:v>
+                </c:pt>
+                <c:pt idx="2">
+                  <c:v>3</c:v>
+                </c:pt>
+                <c:pt idx="3">
+                  <c:v>5</c:v>
+                </c:pt>
+              </c:numCache>
+            </c:numRef>
+          </c:val>
+          <c:extLst>
+            <c:ext xmlns:c16="http://schemas.microsoft.com/office/drawing/2014/chart" uri="{C3380CC4-5D6E-409C-BE32-E72D297353CC}">
+              <c16:uniqueId val="{00000002-6B1C-4A81-BE6C-BD3D977F9BE6}"/>
+            </c:ext>
+          </c:extLst>
+        </c:ser>
+        <c:dLbls>
+          <c:showLegendKey val="0"/>
+          <c:showVal val="0"/>
+          <c:showCatName val="0"/>
+          <c:showSerName val="0"/>
+          <c:showPercent val="0"/>
+          <c:showBubbleSize val="0"/>
+        </c:dLbls>
+        <c:gapWidth val="219"/>
+        <c:overlap val="-27"/>
+        <c:axId val="1198096799"/>
+        <c:axId val="1198084735"/>
+      </c:barChart>
+      <c:catAx>
+        <c:axId val="1198096799"/>
+        <c:scaling>
+          <c:orientation val="minMax"/>
+        </c:scaling>
+        <c:delete val="0"/>
+        <c:axPos val="b"/>
+        <c:numFmt formatCode="General" sourceLinked="1"/>
+        <c:majorTickMark val="none"/>
+        <c:minorTickMark val="none"/>
+        <c:tickLblPos val="nextTo"/>
+        <c:spPr>
+          <a:noFill/>
+          <a:ln w="9525" cap="flat" cmpd="sng" algn="ctr">
+            <a:solidFill>
+              <a:schemeClr val="tx1">
+                <a:lumMod val="15000"/>
+                <a:lumOff val="85000"/>
+              </a:schemeClr>
+            </a:solidFill>
+            <a:round/>
+          </a:ln>
+          <a:effectLst/>
+        </c:spPr>
+        <c:txPr>
+          <a:bodyPr rot="-60000000" spcFirstLastPara="1" vertOverflow="ellipsis" vert="horz" wrap="square" anchor="ctr" anchorCtr="1"/>
+          <a:lstStyle/>
+          <a:p>
+            <a:pPr>
+              <a:defRPr sz="1197" b="0" i="0" u="none" strike="noStrike" kern="1200" baseline="0">
+                <a:solidFill>
+                  <a:schemeClr val="tx1">
+                    <a:lumMod val="65000"/>
+                    <a:lumOff val="35000"/>
+                  </a:schemeClr>
+                </a:solidFill>
+                <a:latin typeface="+mn-lt"/>
+                <a:ea typeface="+mn-ea"/>
+                <a:cs typeface="+mn-cs"/>
+              </a:defRPr>
+            </a:pPr>
+            <a:endParaRPr lang="zh-CN"/>
+          </a:p>
+        </c:txPr>
+        <c:crossAx val="1198084735"/>
+        <c:crosses val="autoZero"/>
+        <c:auto val="1"/>
+        <c:lblAlgn val="ctr"/>
+        <c:lblOffset val="100"/>
+        <c:noMultiLvlLbl val="0"/>
+      </c:catAx>
+      <c:valAx>
+        <c:axId val="1198084735"/>
+        <c:scaling>
+          <c:orientation val="minMax"/>
+        </c:scaling>
+        <c:delete val="0"/>
+        <c:axPos val="l"/>
+        <c:majorGridlines>
+          <c:spPr>
+            <a:ln w="9525" cap="flat" cmpd="sng" algn="ctr">
+              <a:solidFill>
+                <a:schemeClr val="tx1">
+                  <a:lumMod val="15000"/>
+                  <a:lumOff val="85000"/>
+                </a:schemeClr>
+              </a:solidFill>
+              <a:round/>
+            </a:ln>
+            <a:effectLst/>
+          </c:spPr>
+        </c:majorGridlines>
+        <c:numFmt formatCode="General" sourceLinked="1"/>
+        <c:majorTickMark val="none"/>
+        <c:minorTickMark val="none"/>
+        <c:tickLblPos val="nextTo"/>
+        <c:spPr>
+          <a:noFill/>
+          <a:ln>
+            <a:noFill/>
+          </a:ln>
+          <a:effectLst/>
+        </c:spPr>
+        <c:txPr>
+          <a:bodyPr rot="-60000000" spcFirstLastPara="1" vertOverflow="ellipsis" vert="horz" wrap="square" anchor="ctr" anchorCtr="1"/>
+          <a:lstStyle/>
+          <a:p>
+            <a:pPr>
+              <a:defRPr sz="1197" b="0" i="0" u="none" strike="noStrike" kern="1200" baseline="0">
+                <a:solidFill>
+                  <a:schemeClr val="tx1">
+                    <a:lumMod val="65000"/>
+                    <a:lumOff val="35000"/>
+                  </a:schemeClr>
+                </a:solidFill>
+                <a:latin typeface="+mn-lt"/>
+                <a:ea typeface="+mn-ea"/>
+                <a:cs typeface="+mn-cs"/>
+              </a:defRPr>
+            </a:pPr>
+            <a:endParaRPr lang="zh-CN"/>
+          </a:p>
+        </c:txPr>
+        <c:crossAx val="1198096799"/>
         <c:crosses val="autoZero"/>
         <c:crossBetween val="between"/>
       </c:valAx>
@@ -609,7 +2211,1636 @@
 </cs:colorStyle>
 </file>
 
+<file path=ppt/charts/colors2.xml><?xml version="1.0" encoding="utf-8"?>
+<cs:colorStyle xmlns:cs="http://schemas.microsoft.com/office/drawing/2012/chartStyle" xmlns:a="http://schemas.openxmlformats.org/drawingml/2006/main" meth="cycle" id="10">
+  <a:schemeClr val="accent1"/>
+  <a:schemeClr val="accent2"/>
+  <a:schemeClr val="accent3"/>
+  <a:schemeClr val="accent4"/>
+  <a:schemeClr val="accent5"/>
+  <a:schemeClr val="accent6"/>
+  <cs:variation/>
+  <cs:variation>
+    <a:lumMod val="60000"/>
+  </cs:variation>
+  <cs:variation>
+    <a:lumMod val="80000"/>
+    <a:lumOff val="20000"/>
+  </cs:variation>
+  <cs:variation>
+    <a:lumMod val="80000"/>
+  </cs:variation>
+  <cs:variation>
+    <a:lumMod val="60000"/>
+    <a:lumOff val="40000"/>
+  </cs:variation>
+  <cs:variation>
+    <a:lumMod val="50000"/>
+  </cs:variation>
+  <cs:variation>
+    <a:lumMod val="70000"/>
+    <a:lumOff val="30000"/>
+  </cs:variation>
+  <cs:variation>
+    <a:lumMod val="70000"/>
+  </cs:variation>
+  <cs:variation>
+    <a:lumMod val="50000"/>
+    <a:lumOff val="50000"/>
+  </cs:variation>
+</cs:colorStyle>
+</file>
+
+<file path=ppt/charts/colors3.xml><?xml version="1.0" encoding="utf-8"?>
+<cs:colorStyle xmlns:cs="http://schemas.microsoft.com/office/drawing/2012/chartStyle" xmlns:a="http://schemas.openxmlformats.org/drawingml/2006/main" meth="cycle" id="10">
+  <a:schemeClr val="accent1"/>
+  <a:schemeClr val="accent2"/>
+  <a:schemeClr val="accent3"/>
+  <a:schemeClr val="accent4"/>
+  <a:schemeClr val="accent5"/>
+  <a:schemeClr val="accent6"/>
+  <cs:variation/>
+  <cs:variation>
+    <a:lumMod val="60000"/>
+  </cs:variation>
+  <cs:variation>
+    <a:lumMod val="80000"/>
+    <a:lumOff val="20000"/>
+  </cs:variation>
+  <cs:variation>
+    <a:lumMod val="80000"/>
+  </cs:variation>
+  <cs:variation>
+    <a:lumMod val="60000"/>
+    <a:lumOff val="40000"/>
+  </cs:variation>
+  <cs:variation>
+    <a:lumMod val="50000"/>
+  </cs:variation>
+  <cs:variation>
+    <a:lumMod val="70000"/>
+    <a:lumOff val="30000"/>
+  </cs:variation>
+  <cs:variation>
+    <a:lumMod val="70000"/>
+  </cs:variation>
+  <cs:variation>
+    <a:lumMod val="50000"/>
+    <a:lumOff val="50000"/>
+  </cs:variation>
+</cs:colorStyle>
+</file>
+
+<file path=ppt/charts/colors4.xml><?xml version="1.0" encoding="utf-8"?>
+<cs:colorStyle xmlns:cs="http://schemas.microsoft.com/office/drawing/2012/chartStyle" xmlns:a="http://schemas.openxmlformats.org/drawingml/2006/main" meth="cycle" id="10">
+  <a:schemeClr val="accent1"/>
+  <a:schemeClr val="accent2"/>
+  <a:schemeClr val="accent3"/>
+  <a:schemeClr val="accent4"/>
+  <a:schemeClr val="accent5"/>
+  <a:schemeClr val="accent6"/>
+  <cs:variation/>
+  <cs:variation>
+    <a:lumMod val="60000"/>
+  </cs:variation>
+  <cs:variation>
+    <a:lumMod val="80000"/>
+    <a:lumOff val="20000"/>
+  </cs:variation>
+  <cs:variation>
+    <a:lumMod val="80000"/>
+  </cs:variation>
+  <cs:variation>
+    <a:lumMod val="60000"/>
+    <a:lumOff val="40000"/>
+  </cs:variation>
+  <cs:variation>
+    <a:lumMod val="50000"/>
+  </cs:variation>
+  <cs:variation>
+    <a:lumMod val="70000"/>
+    <a:lumOff val="30000"/>
+  </cs:variation>
+  <cs:variation>
+    <a:lumMod val="70000"/>
+  </cs:variation>
+  <cs:variation>
+    <a:lumMod val="50000"/>
+    <a:lumOff val="50000"/>
+  </cs:variation>
+</cs:colorStyle>
+</file>
+
 <file path=ppt/charts/style1.xml><?xml version="1.0" encoding="utf-8"?>
+<cs:chartStyle xmlns:cs="http://schemas.microsoft.com/office/drawing/2012/chartStyle" xmlns:a="http://schemas.openxmlformats.org/drawingml/2006/main" id="201">
+  <cs:axisTitle>
+    <cs:lnRef idx="0"/>
+    <cs:fillRef idx="0"/>
+    <cs:effectRef idx="0"/>
+    <cs:fontRef idx="minor">
+      <a:schemeClr val="tx1">
+        <a:lumMod val="65000"/>
+        <a:lumOff val="35000"/>
+      </a:schemeClr>
+    </cs:fontRef>
+    <cs:defRPr sz="1330" kern="1200"/>
+  </cs:axisTitle>
+  <cs:categoryAxis>
+    <cs:lnRef idx="0"/>
+    <cs:fillRef idx="0"/>
+    <cs:effectRef idx="0"/>
+    <cs:fontRef idx="minor">
+      <a:schemeClr val="tx1">
+        <a:lumMod val="65000"/>
+        <a:lumOff val="35000"/>
+      </a:schemeClr>
+    </cs:fontRef>
+    <cs:spPr>
+      <a:ln w="9525" cap="flat" cmpd="sng" algn="ctr">
+        <a:solidFill>
+          <a:schemeClr val="tx1">
+            <a:lumMod val="15000"/>
+            <a:lumOff val="85000"/>
+          </a:schemeClr>
+        </a:solidFill>
+        <a:round/>
+      </a:ln>
+    </cs:spPr>
+    <cs:defRPr sz="1197" kern="1200"/>
+  </cs:categoryAxis>
+  <cs:chartArea mods="allowNoFillOverride allowNoLineOverride">
+    <cs:lnRef idx="0"/>
+    <cs:fillRef idx="0"/>
+    <cs:effectRef idx="0"/>
+    <cs:fontRef idx="minor">
+      <a:schemeClr val="tx1"/>
+    </cs:fontRef>
+    <cs:spPr>
+      <a:solidFill>
+        <a:schemeClr val="bg1"/>
+      </a:solidFill>
+      <a:ln w="9525" cap="flat" cmpd="sng" algn="ctr">
+        <a:solidFill>
+          <a:schemeClr val="tx1">
+            <a:lumMod val="15000"/>
+            <a:lumOff val="85000"/>
+          </a:schemeClr>
+        </a:solidFill>
+        <a:round/>
+      </a:ln>
+    </cs:spPr>
+    <cs:defRPr sz="1330" kern="1200"/>
+  </cs:chartArea>
+  <cs:dataLabel>
+    <cs:lnRef idx="0"/>
+    <cs:fillRef idx="0"/>
+    <cs:effectRef idx="0"/>
+    <cs:fontRef idx="minor">
+      <a:schemeClr val="tx1">
+        <a:lumMod val="75000"/>
+        <a:lumOff val="25000"/>
+      </a:schemeClr>
+    </cs:fontRef>
+    <cs:defRPr sz="1197" kern="1200"/>
+  </cs:dataLabel>
+  <cs:dataLabelCallout>
+    <cs:lnRef idx="0"/>
+    <cs:fillRef idx="0"/>
+    <cs:effectRef idx="0"/>
+    <cs:fontRef idx="minor">
+      <a:schemeClr val="dk1">
+        <a:lumMod val="65000"/>
+        <a:lumOff val="35000"/>
+      </a:schemeClr>
+    </cs:fontRef>
+    <cs:spPr>
+      <a:solidFill>
+        <a:schemeClr val="lt1"/>
+      </a:solidFill>
+      <a:ln>
+        <a:solidFill>
+          <a:schemeClr val="dk1">
+            <a:lumMod val="25000"/>
+            <a:lumOff val="75000"/>
+          </a:schemeClr>
+        </a:solidFill>
+      </a:ln>
+    </cs:spPr>
+    <cs:defRPr sz="1197" kern="1200"/>
+    <cs:bodyPr rot="0" spcFirstLastPara="1" vertOverflow="clip" horzOverflow="clip" vert="horz" wrap="square" lIns="36576" tIns="18288" rIns="36576" bIns="18288" anchor="ctr" anchorCtr="1">
+      <a:spAutoFit/>
+    </cs:bodyPr>
+  </cs:dataLabelCallout>
+  <cs:dataPoint>
+    <cs:lnRef idx="0"/>
+    <cs:fillRef idx="1">
+      <cs:styleClr val="auto"/>
+    </cs:fillRef>
+    <cs:effectRef idx="0"/>
+    <cs:fontRef idx="minor">
+      <a:schemeClr val="tx1"/>
+    </cs:fontRef>
+  </cs:dataPoint>
+  <cs:dataPoint3D>
+    <cs:lnRef idx="0"/>
+    <cs:fillRef idx="1">
+      <cs:styleClr val="auto"/>
+    </cs:fillRef>
+    <cs:effectRef idx="0"/>
+    <cs:fontRef idx="minor">
+      <a:schemeClr val="tx1"/>
+    </cs:fontRef>
+  </cs:dataPoint3D>
+  <cs:dataPointLine>
+    <cs:lnRef idx="0">
+      <cs:styleClr val="auto"/>
+    </cs:lnRef>
+    <cs:fillRef idx="1"/>
+    <cs:effectRef idx="0"/>
+    <cs:fontRef idx="minor">
+      <a:schemeClr val="tx1"/>
+    </cs:fontRef>
+    <cs:spPr>
+      <a:ln w="28575" cap="rnd">
+        <a:solidFill>
+          <a:schemeClr val="phClr"/>
+        </a:solidFill>
+        <a:round/>
+      </a:ln>
+    </cs:spPr>
+  </cs:dataPointLine>
+  <cs:dataPointMarker>
+    <cs:lnRef idx="0">
+      <cs:styleClr val="auto"/>
+    </cs:lnRef>
+    <cs:fillRef idx="1">
+      <cs:styleClr val="auto"/>
+    </cs:fillRef>
+    <cs:effectRef idx="0"/>
+    <cs:fontRef idx="minor">
+      <a:schemeClr val="tx1"/>
+    </cs:fontRef>
+    <cs:spPr>
+      <a:ln w="9525">
+        <a:solidFill>
+          <a:schemeClr val="phClr"/>
+        </a:solidFill>
+      </a:ln>
+    </cs:spPr>
+  </cs:dataPointMarker>
+  <cs:dataPointMarkerLayout symbol="circle" size="5"/>
+  <cs:dataPointWireframe>
+    <cs:lnRef idx="0">
+      <cs:styleClr val="auto"/>
+    </cs:lnRef>
+    <cs:fillRef idx="1"/>
+    <cs:effectRef idx="0"/>
+    <cs:fontRef idx="minor">
+      <a:schemeClr val="tx1"/>
+    </cs:fontRef>
+    <cs:spPr>
+      <a:ln w="9525" cap="rnd">
+        <a:solidFill>
+          <a:schemeClr val="phClr"/>
+        </a:solidFill>
+        <a:round/>
+      </a:ln>
+    </cs:spPr>
+  </cs:dataPointWireframe>
+  <cs:dataTable>
+    <cs:lnRef idx="0"/>
+    <cs:fillRef idx="0"/>
+    <cs:effectRef idx="0"/>
+    <cs:fontRef idx="minor">
+      <a:schemeClr val="tx1">
+        <a:lumMod val="65000"/>
+        <a:lumOff val="35000"/>
+      </a:schemeClr>
+    </cs:fontRef>
+    <cs:spPr>
+      <a:noFill/>
+      <a:ln w="9525" cap="flat" cmpd="sng" algn="ctr">
+        <a:solidFill>
+          <a:schemeClr val="tx1">
+            <a:lumMod val="15000"/>
+            <a:lumOff val="85000"/>
+          </a:schemeClr>
+        </a:solidFill>
+        <a:round/>
+      </a:ln>
+    </cs:spPr>
+    <cs:defRPr sz="1197" kern="1200"/>
+  </cs:dataTable>
+  <cs:downBar>
+    <cs:lnRef idx="0"/>
+    <cs:fillRef idx="0"/>
+    <cs:effectRef idx="0"/>
+    <cs:fontRef idx="minor">
+      <a:schemeClr val="dk1"/>
+    </cs:fontRef>
+    <cs:spPr>
+      <a:solidFill>
+        <a:schemeClr val="dk1">
+          <a:lumMod val="65000"/>
+          <a:lumOff val="35000"/>
+        </a:schemeClr>
+      </a:solidFill>
+      <a:ln w="9525">
+        <a:solidFill>
+          <a:schemeClr val="tx1">
+            <a:lumMod val="65000"/>
+            <a:lumOff val="35000"/>
+          </a:schemeClr>
+        </a:solidFill>
+      </a:ln>
+    </cs:spPr>
+  </cs:downBar>
+  <cs:dropLine>
+    <cs:lnRef idx="0"/>
+    <cs:fillRef idx="0"/>
+    <cs:effectRef idx="0"/>
+    <cs:fontRef idx="minor">
+      <a:schemeClr val="tx1"/>
+    </cs:fontRef>
+    <cs:spPr>
+      <a:ln w="9525" cap="flat" cmpd="sng" algn="ctr">
+        <a:solidFill>
+          <a:schemeClr val="tx1">
+            <a:lumMod val="35000"/>
+            <a:lumOff val="65000"/>
+          </a:schemeClr>
+        </a:solidFill>
+        <a:round/>
+      </a:ln>
+    </cs:spPr>
+  </cs:dropLine>
+  <cs:errorBar>
+    <cs:lnRef idx="0"/>
+    <cs:fillRef idx="0"/>
+    <cs:effectRef idx="0"/>
+    <cs:fontRef idx="minor">
+      <a:schemeClr val="tx1"/>
+    </cs:fontRef>
+    <cs:spPr>
+      <a:ln w="9525" cap="flat" cmpd="sng" algn="ctr">
+        <a:solidFill>
+          <a:schemeClr val="tx1">
+            <a:lumMod val="65000"/>
+            <a:lumOff val="35000"/>
+          </a:schemeClr>
+        </a:solidFill>
+        <a:round/>
+      </a:ln>
+    </cs:spPr>
+  </cs:errorBar>
+  <cs:floor>
+    <cs:lnRef idx="0"/>
+    <cs:fillRef idx="0"/>
+    <cs:effectRef idx="0"/>
+    <cs:fontRef idx="minor">
+      <a:schemeClr val="tx1"/>
+    </cs:fontRef>
+    <cs:spPr>
+      <a:noFill/>
+      <a:ln>
+        <a:noFill/>
+      </a:ln>
+    </cs:spPr>
+  </cs:floor>
+  <cs:gridlineMajor>
+    <cs:lnRef idx="0"/>
+    <cs:fillRef idx="0"/>
+    <cs:effectRef idx="0"/>
+    <cs:fontRef idx="minor">
+      <a:schemeClr val="tx1"/>
+    </cs:fontRef>
+    <cs:spPr>
+      <a:ln w="9525" cap="flat" cmpd="sng" algn="ctr">
+        <a:solidFill>
+          <a:schemeClr val="tx1">
+            <a:lumMod val="15000"/>
+            <a:lumOff val="85000"/>
+          </a:schemeClr>
+        </a:solidFill>
+        <a:round/>
+      </a:ln>
+    </cs:spPr>
+  </cs:gridlineMajor>
+  <cs:gridlineMinor>
+    <cs:lnRef idx="0"/>
+    <cs:fillRef idx="0"/>
+    <cs:effectRef idx="0"/>
+    <cs:fontRef idx="minor">
+      <a:schemeClr val="tx1"/>
+    </cs:fontRef>
+    <cs:spPr>
+      <a:ln w="9525" cap="flat" cmpd="sng" algn="ctr">
+        <a:solidFill>
+          <a:schemeClr val="tx1">
+            <a:lumMod val="5000"/>
+            <a:lumOff val="95000"/>
+          </a:schemeClr>
+        </a:solidFill>
+        <a:round/>
+      </a:ln>
+    </cs:spPr>
+  </cs:gridlineMinor>
+  <cs:hiLoLine>
+    <cs:lnRef idx="0"/>
+    <cs:fillRef idx="0"/>
+    <cs:effectRef idx="0"/>
+    <cs:fontRef idx="minor">
+      <a:schemeClr val="tx1"/>
+    </cs:fontRef>
+    <cs:spPr>
+      <a:ln w="9525" cap="flat" cmpd="sng" algn="ctr">
+        <a:solidFill>
+          <a:schemeClr val="tx1">
+            <a:lumMod val="75000"/>
+            <a:lumOff val="25000"/>
+          </a:schemeClr>
+        </a:solidFill>
+        <a:round/>
+      </a:ln>
+    </cs:spPr>
+  </cs:hiLoLine>
+  <cs:leaderLine>
+    <cs:lnRef idx="0"/>
+    <cs:fillRef idx="0"/>
+    <cs:effectRef idx="0"/>
+    <cs:fontRef idx="minor">
+      <a:schemeClr val="tx1"/>
+    </cs:fontRef>
+    <cs:spPr>
+      <a:ln w="9525" cap="flat" cmpd="sng" algn="ctr">
+        <a:solidFill>
+          <a:schemeClr val="tx1">
+            <a:lumMod val="35000"/>
+            <a:lumOff val="65000"/>
+          </a:schemeClr>
+        </a:solidFill>
+        <a:round/>
+      </a:ln>
+    </cs:spPr>
+  </cs:leaderLine>
+  <cs:legend>
+    <cs:lnRef idx="0"/>
+    <cs:fillRef idx="0"/>
+    <cs:effectRef idx="0"/>
+    <cs:fontRef idx="minor">
+      <a:schemeClr val="tx1">
+        <a:lumMod val="65000"/>
+        <a:lumOff val="35000"/>
+      </a:schemeClr>
+    </cs:fontRef>
+    <cs:defRPr sz="1197" kern="1200"/>
+  </cs:legend>
+  <cs:plotArea mods="allowNoFillOverride allowNoLineOverride">
+    <cs:lnRef idx="0"/>
+    <cs:fillRef idx="0"/>
+    <cs:effectRef idx="0"/>
+    <cs:fontRef idx="minor">
+      <a:schemeClr val="tx1"/>
+    </cs:fontRef>
+  </cs:plotArea>
+  <cs:plotArea3D mods="allowNoFillOverride allowNoLineOverride">
+    <cs:lnRef idx="0"/>
+    <cs:fillRef idx="0"/>
+    <cs:effectRef idx="0"/>
+    <cs:fontRef idx="minor">
+      <a:schemeClr val="tx1"/>
+    </cs:fontRef>
+  </cs:plotArea3D>
+  <cs:seriesAxis>
+    <cs:lnRef idx="0"/>
+    <cs:fillRef idx="0"/>
+    <cs:effectRef idx="0"/>
+    <cs:fontRef idx="minor">
+      <a:schemeClr val="tx1">
+        <a:lumMod val="65000"/>
+        <a:lumOff val="35000"/>
+      </a:schemeClr>
+    </cs:fontRef>
+    <cs:defRPr sz="1197" kern="1200"/>
+  </cs:seriesAxis>
+  <cs:seriesLine>
+    <cs:lnRef idx="0"/>
+    <cs:fillRef idx="0"/>
+    <cs:effectRef idx="0"/>
+    <cs:fontRef idx="minor">
+      <a:schemeClr val="tx1"/>
+    </cs:fontRef>
+    <cs:spPr>
+      <a:ln w="9525" cap="flat" cmpd="sng" algn="ctr">
+        <a:solidFill>
+          <a:schemeClr val="tx1">
+            <a:lumMod val="35000"/>
+            <a:lumOff val="65000"/>
+          </a:schemeClr>
+        </a:solidFill>
+        <a:round/>
+      </a:ln>
+    </cs:spPr>
+  </cs:seriesLine>
+  <cs:title>
+    <cs:lnRef idx="0"/>
+    <cs:fillRef idx="0"/>
+    <cs:effectRef idx="0"/>
+    <cs:fontRef idx="minor">
+      <a:schemeClr val="tx1">
+        <a:lumMod val="65000"/>
+        <a:lumOff val="35000"/>
+      </a:schemeClr>
+    </cs:fontRef>
+    <cs:defRPr sz="1862" b="0" kern="1200" spc="0" baseline="0"/>
+  </cs:title>
+  <cs:trendline>
+    <cs:lnRef idx="0">
+      <cs:styleClr val="auto"/>
+    </cs:lnRef>
+    <cs:fillRef idx="0"/>
+    <cs:effectRef idx="0"/>
+    <cs:fontRef idx="minor">
+      <a:schemeClr val="tx1"/>
+    </cs:fontRef>
+    <cs:spPr>
+      <a:ln w="19050" cap="rnd">
+        <a:solidFill>
+          <a:schemeClr val="phClr"/>
+        </a:solidFill>
+        <a:prstDash val="sysDot"/>
+      </a:ln>
+    </cs:spPr>
+  </cs:trendline>
+  <cs:trendlineLabel>
+    <cs:lnRef idx="0"/>
+    <cs:fillRef idx="0"/>
+    <cs:effectRef idx="0"/>
+    <cs:fontRef idx="minor">
+      <a:schemeClr val="tx1">
+        <a:lumMod val="65000"/>
+        <a:lumOff val="35000"/>
+      </a:schemeClr>
+    </cs:fontRef>
+    <cs:defRPr sz="1197" kern="1200"/>
+  </cs:trendlineLabel>
+  <cs:upBar>
+    <cs:lnRef idx="0"/>
+    <cs:fillRef idx="0"/>
+    <cs:effectRef idx="0"/>
+    <cs:fontRef idx="minor">
+      <a:schemeClr val="dk1"/>
+    </cs:fontRef>
+    <cs:spPr>
+      <a:solidFill>
+        <a:schemeClr val="lt1"/>
+      </a:solidFill>
+      <a:ln w="9525">
+        <a:solidFill>
+          <a:schemeClr val="tx1">
+            <a:lumMod val="15000"/>
+            <a:lumOff val="85000"/>
+          </a:schemeClr>
+        </a:solidFill>
+      </a:ln>
+    </cs:spPr>
+  </cs:upBar>
+  <cs:valueAxis>
+    <cs:lnRef idx="0"/>
+    <cs:fillRef idx="0"/>
+    <cs:effectRef idx="0"/>
+    <cs:fontRef idx="minor">
+      <a:schemeClr val="tx1">
+        <a:lumMod val="65000"/>
+        <a:lumOff val="35000"/>
+      </a:schemeClr>
+    </cs:fontRef>
+    <cs:defRPr sz="1197" kern="1200"/>
+  </cs:valueAxis>
+  <cs:wall>
+    <cs:lnRef idx="0"/>
+    <cs:fillRef idx="0"/>
+    <cs:effectRef idx="0"/>
+    <cs:fontRef idx="minor">
+      <a:schemeClr val="tx1"/>
+    </cs:fontRef>
+    <cs:spPr>
+      <a:noFill/>
+      <a:ln>
+        <a:noFill/>
+      </a:ln>
+    </cs:spPr>
+  </cs:wall>
+</cs:chartStyle>
+</file>
+
+<file path=ppt/charts/style2.xml><?xml version="1.0" encoding="utf-8"?>
+<cs:chartStyle xmlns:cs="http://schemas.microsoft.com/office/drawing/2012/chartStyle" xmlns:a="http://schemas.openxmlformats.org/drawingml/2006/main" id="201">
+  <cs:axisTitle>
+    <cs:lnRef idx="0"/>
+    <cs:fillRef idx="0"/>
+    <cs:effectRef idx="0"/>
+    <cs:fontRef idx="minor">
+      <a:schemeClr val="tx1">
+        <a:lumMod val="65000"/>
+        <a:lumOff val="35000"/>
+      </a:schemeClr>
+    </cs:fontRef>
+    <cs:defRPr sz="1330" kern="1200"/>
+  </cs:axisTitle>
+  <cs:categoryAxis>
+    <cs:lnRef idx="0"/>
+    <cs:fillRef idx="0"/>
+    <cs:effectRef idx="0"/>
+    <cs:fontRef idx="minor">
+      <a:schemeClr val="tx1">
+        <a:lumMod val="65000"/>
+        <a:lumOff val="35000"/>
+      </a:schemeClr>
+    </cs:fontRef>
+    <cs:spPr>
+      <a:ln w="9525" cap="flat" cmpd="sng" algn="ctr">
+        <a:solidFill>
+          <a:schemeClr val="tx1">
+            <a:lumMod val="15000"/>
+            <a:lumOff val="85000"/>
+          </a:schemeClr>
+        </a:solidFill>
+        <a:round/>
+      </a:ln>
+    </cs:spPr>
+    <cs:defRPr sz="1197" kern="1200"/>
+  </cs:categoryAxis>
+  <cs:chartArea mods="allowNoFillOverride allowNoLineOverride">
+    <cs:lnRef idx="0"/>
+    <cs:fillRef idx="0"/>
+    <cs:effectRef idx="0"/>
+    <cs:fontRef idx="minor">
+      <a:schemeClr val="tx1"/>
+    </cs:fontRef>
+    <cs:spPr>
+      <a:solidFill>
+        <a:schemeClr val="bg1"/>
+      </a:solidFill>
+      <a:ln w="9525" cap="flat" cmpd="sng" algn="ctr">
+        <a:solidFill>
+          <a:schemeClr val="tx1">
+            <a:lumMod val="15000"/>
+            <a:lumOff val="85000"/>
+          </a:schemeClr>
+        </a:solidFill>
+        <a:round/>
+      </a:ln>
+    </cs:spPr>
+    <cs:defRPr sz="1330" kern="1200"/>
+  </cs:chartArea>
+  <cs:dataLabel>
+    <cs:lnRef idx="0"/>
+    <cs:fillRef idx="0"/>
+    <cs:effectRef idx="0"/>
+    <cs:fontRef idx="minor">
+      <a:schemeClr val="tx1">
+        <a:lumMod val="75000"/>
+        <a:lumOff val="25000"/>
+      </a:schemeClr>
+    </cs:fontRef>
+    <cs:defRPr sz="1197" kern="1200"/>
+  </cs:dataLabel>
+  <cs:dataLabelCallout>
+    <cs:lnRef idx="0"/>
+    <cs:fillRef idx="0"/>
+    <cs:effectRef idx="0"/>
+    <cs:fontRef idx="minor">
+      <a:schemeClr val="dk1">
+        <a:lumMod val="65000"/>
+        <a:lumOff val="35000"/>
+      </a:schemeClr>
+    </cs:fontRef>
+    <cs:spPr>
+      <a:solidFill>
+        <a:schemeClr val="lt1"/>
+      </a:solidFill>
+      <a:ln>
+        <a:solidFill>
+          <a:schemeClr val="dk1">
+            <a:lumMod val="25000"/>
+            <a:lumOff val="75000"/>
+          </a:schemeClr>
+        </a:solidFill>
+      </a:ln>
+    </cs:spPr>
+    <cs:defRPr sz="1197" kern="1200"/>
+    <cs:bodyPr rot="0" spcFirstLastPara="1" vertOverflow="clip" horzOverflow="clip" vert="horz" wrap="square" lIns="36576" tIns="18288" rIns="36576" bIns="18288" anchor="ctr" anchorCtr="1">
+      <a:spAutoFit/>
+    </cs:bodyPr>
+  </cs:dataLabelCallout>
+  <cs:dataPoint>
+    <cs:lnRef idx="0"/>
+    <cs:fillRef idx="1">
+      <cs:styleClr val="auto"/>
+    </cs:fillRef>
+    <cs:effectRef idx="0"/>
+    <cs:fontRef idx="minor">
+      <a:schemeClr val="tx1"/>
+    </cs:fontRef>
+  </cs:dataPoint>
+  <cs:dataPoint3D>
+    <cs:lnRef idx="0"/>
+    <cs:fillRef idx="1">
+      <cs:styleClr val="auto"/>
+    </cs:fillRef>
+    <cs:effectRef idx="0"/>
+    <cs:fontRef idx="minor">
+      <a:schemeClr val="tx1"/>
+    </cs:fontRef>
+  </cs:dataPoint3D>
+  <cs:dataPointLine>
+    <cs:lnRef idx="0">
+      <cs:styleClr val="auto"/>
+    </cs:lnRef>
+    <cs:fillRef idx="1"/>
+    <cs:effectRef idx="0"/>
+    <cs:fontRef idx="minor">
+      <a:schemeClr val="tx1"/>
+    </cs:fontRef>
+    <cs:spPr>
+      <a:ln w="28575" cap="rnd">
+        <a:solidFill>
+          <a:schemeClr val="phClr"/>
+        </a:solidFill>
+        <a:round/>
+      </a:ln>
+    </cs:spPr>
+  </cs:dataPointLine>
+  <cs:dataPointMarker>
+    <cs:lnRef idx="0">
+      <cs:styleClr val="auto"/>
+    </cs:lnRef>
+    <cs:fillRef idx="1">
+      <cs:styleClr val="auto"/>
+    </cs:fillRef>
+    <cs:effectRef idx="0"/>
+    <cs:fontRef idx="minor">
+      <a:schemeClr val="tx1"/>
+    </cs:fontRef>
+    <cs:spPr>
+      <a:ln w="9525">
+        <a:solidFill>
+          <a:schemeClr val="phClr"/>
+        </a:solidFill>
+      </a:ln>
+    </cs:spPr>
+  </cs:dataPointMarker>
+  <cs:dataPointMarkerLayout symbol="circle" size="5"/>
+  <cs:dataPointWireframe>
+    <cs:lnRef idx="0">
+      <cs:styleClr val="auto"/>
+    </cs:lnRef>
+    <cs:fillRef idx="1"/>
+    <cs:effectRef idx="0"/>
+    <cs:fontRef idx="minor">
+      <a:schemeClr val="tx1"/>
+    </cs:fontRef>
+    <cs:spPr>
+      <a:ln w="9525" cap="rnd">
+        <a:solidFill>
+          <a:schemeClr val="phClr"/>
+        </a:solidFill>
+        <a:round/>
+      </a:ln>
+    </cs:spPr>
+  </cs:dataPointWireframe>
+  <cs:dataTable>
+    <cs:lnRef idx="0"/>
+    <cs:fillRef idx="0"/>
+    <cs:effectRef idx="0"/>
+    <cs:fontRef idx="minor">
+      <a:schemeClr val="tx1">
+        <a:lumMod val="65000"/>
+        <a:lumOff val="35000"/>
+      </a:schemeClr>
+    </cs:fontRef>
+    <cs:spPr>
+      <a:noFill/>
+      <a:ln w="9525" cap="flat" cmpd="sng" algn="ctr">
+        <a:solidFill>
+          <a:schemeClr val="tx1">
+            <a:lumMod val="15000"/>
+            <a:lumOff val="85000"/>
+          </a:schemeClr>
+        </a:solidFill>
+        <a:round/>
+      </a:ln>
+    </cs:spPr>
+    <cs:defRPr sz="1197" kern="1200"/>
+  </cs:dataTable>
+  <cs:downBar>
+    <cs:lnRef idx="0"/>
+    <cs:fillRef idx="0"/>
+    <cs:effectRef idx="0"/>
+    <cs:fontRef idx="minor">
+      <a:schemeClr val="dk1"/>
+    </cs:fontRef>
+    <cs:spPr>
+      <a:solidFill>
+        <a:schemeClr val="dk1">
+          <a:lumMod val="65000"/>
+          <a:lumOff val="35000"/>
+        </a:schemeClr>
+      </a:solidFill>
+      <a:ln w="9525">
+        <a:solidFill>
+          <a:schemeClr val="tx1">
+            <a:lumMod val="65000"/>
+            <a:lumOff val="35000"/>
+          </a:schemeClr>
+        </a:solidFill>
+      </a:ln>
+    </cs:spPr>
+  </cs:downBar>
+  <cs:dropLine>
+    <cs:lnRef idx="0"/>
+    <cs:fillRef idx="0"/>
+    <cs:effectRef idx="0"/>
+    <cs:fontRef idx="minor">
+      <a:schemeClr val="tx1"/>
+    </cs:fontRef>
+    <cs:spPr>
+      <a:ln w="9525" cap="flat" cmpd="sng" algn="ctr">
+        <a:solidFill>
+          <a:schemeClr val="tx1">
+            <a:lumMod val="35000"/>
+            <a:lumOff val="65000"/>
+          </a:schemeClr>
+        </a:solidFill>
+        <a:round/>
+      </a:ln>
+    </cs:spPr>
+  </cs:dropLine>
+  <cs:errorBar>
+    <cs:lnRef idx="0"/>
+    <cs:fillRef idx="0"/>
+    <cs:effectRef idx="0"/>
+    <cs:fontRef idx="minor">
+      <a:schemeClr val="tx1"/>
+    </cs:fontRef>
+    <cs:spPr>
+      <a:ln w="9525" cap="flat" cmpd="sng" algn="ctr">
+        <a:solidFill>
+          <a:schemeClr val="tx1">
+            <a:lumMod val="65000"/>
+            <a:lumOff val="35000"/>
+          </a:schemeClr>
+        </a:solidFill>
+        <a:round/>
+      </a:ln>
+    </cs:spPr>
+  </cs:errorBar>
+  <cs:floor>
+    <cs:lnRef idx="0"/>
+    <cs:fillRef idx="0"/>
+    <cs:effectRef idx="0"/>
+    <cs:fontRef idx="minor">
+      <a:schemeClr val="tx1"/>
+    </cs:fontRef>
+    <cs:spPr>
+      <a:noFill/>
+      <a:ln>
+        <a:noFill/>
+      </a:ln>
+    </cs:spPr>
+  </cs:floor>
+  <cs:gridlineMajor>
+    <cs:lnRef idx="0"/>
+    <cs:fillRef idx="0"/>
+    <cs:effectRef idx="0"/>
+    <cs:fontRef idx="minor">
+      <a:schemeClr val="tx1"/>
+    </cs:fontRef>
+    <cs:spPr>
+      <a:ln w="9525" cap="flat" cmpd="sng" algn="ctr">
+        <a:solidFill>
+          <a:schemeClr val="tx1">
+            <a:lumMod val="15000"/>
+            <a:lumOff val="85000"/>
+          </a:schemeClr>
+        </a:solidFill>
+        <a:round/>
+      </a:ln>
+    </cs:spPr>
+  </cs:gridlineMajor>
+  <cs:gridlineMinor>
+    <cs:lnRef idx="0"/>
+    <cs:fillRef idx="0"/>
+    <cs:effectRef idx="0"/>
+    <cs:fontRef idx="minor">
+      <a:schemeClr val="tx1"/>
+    </cs:fontRef>
+    <cs:spPr>
+      <a:ln w="9525" cap="flat" cmpd="sng" algn="ctr">
+        <a:solidFill>
+          <a:schemeClr val="tx1">
+            <a:lumMod val="5000"/>
+            <a:lumOff val="95000"/>
+          </a:schemeClr>
+        </a:solidFill>
+        <a:round/>
+      </a:ln>
+    </cs:spPr>
+  </cs:gridlineMinor>
+  <cs:hiLoLine>
+    <cs:lnRef idx="0"/>
+    <cs:fillRef idx="0"/>
+    <cs:effectRef idx="0"/>
+    <cs:fontRef idx="minor">
+      <a:schemeClr val="tx1"/>
+    </cs:fontRef>
+    <cs:spPr>
+      <a:ln w="9525" cap="flat" cmpd="sng" algn="ctr">
+        <a:solidFill>
+          <a:schemeClr val="tx1">
+            <a:lumMod val="75000"/>
+            <a:lumOff val="25000"/>
+          </a:schemeClr>
+        </a:solidFill>
+        <a:round/>
+      </a:ln>
+    </cs:spPr>
+  </cs:hiLoLine>
+  <cs:leaderLine>
+    <cs:lnRef idx="0"/>
+    <cs:fillRef idx="0"/>
+    <cs:effectRef idx="0"/>
+    <cs:fontRef idx="minor">
+      <a:schemeClr val="tx1"/>
+    </cs:fontRef>
+    <cs:spPr>
+      <a:ln w="9525" cap="flat" cmpd="sng" algn="ctr">
+        <a:solidFill>
+          <a:schemeClr val="tx1">
+            <a:lumMod val="35000"/>
+            <a:lumOff val="65000"/>
+          </a:schemeClr>
+        </a:solidFill>
+        <a:round/>
+      </a:ln>
+    </cs:spPr>
+  </cs:leaderLine>
+  <cs:legend>
+    <cs:lnRef idx="0"/>
+    <cs:fillRef idx="0"/>
+    <cs:effectRef idx="0"/>
+    <cs:fontRef idx="minor">
+      <a:schemeClr val="tx1">
+        <a:lumMod val="65000"/>
+        <a:lumOff val="35000"/>
+      </a:schemeClr>
+    </cs:fontRef>
+    <cs:defRPr sz="1197" kern="1200"/>
+  </cs:legend>
+  <cs:plotArea mods="allowNoFillOverride allowNoLineOverride">
+    <cs:lnRef idx="0"/>
+    <cs:fillRef idx="0"/>
+    <cs:effectRef idx="0"/>
+    <cs:fontRef idx="minor">
+      <a:schemeClr val="tx1"/>
+    </cs:fontRef>
+  </cs:plotArea>
+  <cs:plotArea3D mods="allowNoFillOverride allowNoLineOverride">
+    <cs:lnRef idx="0"/>
+    <cs:fillRef idx="0"/>
+    <cs:effectRef idx="0"/>
+    <cs:fontRef idx="minor">
+      <a:schemeClr val="tx1"/>
+    </cs:fontRef>
+  </cs:plotArea3D>
+  <cs:seriesAxis>
+    <cs:lnRef idx="0"/>
+    <cs:fillRef idx="0"/>
+    <cs:effectRef idx="0"/>
+    <cs:fontRef idx="minor">
+      <a:schemeClr val="tx1">
+        <a:lumMod val="65000"/>
+        <a:lumOff val="35000"/>
+      </a:schemeClr>
+    </cs:fontRef>
+    <cs:defRPr sz="1197" kern="1200"/>
+  </cs:seriesAxis>
+  <cs:seriesLine>
+    <cs:lnRef idx="0"/>
+    <cs:fillRef idx="0"/>
+    <cs:effectRef idx="0"/>
+    <cs:fontRef idx="minor">
+      <a:schemeClr val="tx1"/>
+    </cs:fontRef>
+    <cs:spPr>
+      <a:ln w="9525" cap="flat" cmpd="sng" algn="ctr">
+        <a:solidFill>
+          <a:schemeClr val="tx1">
+            <a:lumMod val="35000"/>
+            <a:lumOff val="65000"/>
+          </a:schemeClr>
+        </a:solidFill>
+        <a:round/>
+      </a:ln>
+    </cs:spPr>
+  </cs:seriesLine>
+  <cs:title>
+    <cs:lnRef idx="0"/>
+    <cs:fillRef idx="0"/>
+    <cs:effectRef idx="0"/>
+    <cs:fontRef idx="minor">
+      <a:schemeClr val="tx1">
+        <a:lumMod val="65000"/>
+        <a:lumOff val="35000"/>
+      </a:schemeClr>
+    </cs:fontRef>
+    <cs:defRPr sz="1862" b="0" kern="1200" spc="0" baseline="0"/>
+  </cs:title>
+  <cs:trendline>
+    <cs:lnRef idx="0">
+      <cs:styleClr val="auto"/>
+    </cs:lnRef>
+    <cs:fillRef idx="0"/>
+    <cs:effectRef idx="0"/>
+    <cs:fontRef idx="minor">
+      <a:schemeClr val="tx1"/>
+    </cs:fontRef>
+    <cs:spPr>
+      <a:ln w="19050" cap="rnd">
+        <a:solidFill>
+          <a:schemeClr val="phClr"/>
+        </a:solidFill>
+        <a:prstDash val="sysDot"/>
+      </a:ln>
+    </cs:spPr>
+  </cs:trendline>
+  <cs:trendlineLabel>
+    <cs:lnRef idx="0"/>
+    <cs:fillRef idx="0"/>
+    <cs:effectRef idx="0"/>
+    <cs:fontRef idx="minor">
+      <a:schemeClr val="tx1">
+        <a:lumMod val="65000"/>
+        <a:lumOff val="35000"/>
+      </a:schemeClr>
+    </cs:fontRef>
+    <cs:defRPr sz="1197" kern="1200"/>
+  </cs:trendlineLabel>
+  <cs:upBar>
+    <cs:lnRef idx="0"/>
+    <cs:fillRef idx="0"/>
+    <cs:effectRef idx="0"/>
+    <cs:fontRef idx="minor">
+      <a:schemeClr val="dk1"/>
+    </cs:fontRef>
+    <cs:spPr>
+      <a:solidFill>
+        <a:schemeClr val="lt1"/>
+      </a:solidFill>
+      <a:ln w="9525">
+        <a:solidFill>
+          <a:schemeClr val="tx1">
+            <a:lumMod val="15000"/>
+            <a:lumOff val="85000"/>
+          </a:schemeClr>
+        </a:solidFill>
+      </a:ln>
+    </cs:spPr>
+  </cs:upBar>
+  <cs:valueAxis>
+    <cs:lnRef idx="0"/>
+    <cs:fillRef idx="0"/>
+    <cs:effectRef idx="0"/>
+    <cs:fontRef idx="minor">
+      <a:schemeClr val="tx1">
+        <a:lumMod val="65000"/>
+        <a:lumOff val="35000"/>
+      </a:schemeClr>
+    </cs:fontRef>
+    <cs:defRPr sz="1197" kern="1200"/>
+  </cs:valueAxis>
+  <cs:wall>
+    <cs:lnRef idx="0"/>
+    <cs:fillRef idx="0"/>
+    <cs:effectRef idx="0"/>
+    <cs:fontRef idx="minor">
+      <a:schemeClr val="tx1"/>
+    </cs:fontRef>
+    <cs:spPr>
+      <a:noFill/>
+      <a:ln>
+        <a:noFill/>
+      </a:ln>
+    </cs:spPr>
+  </cs:wall>
+</cs:chartStyle>
+</file>
+
+<file path=ppt/charts/style3.xml><?xml version="1.0" encoding="utf-8"?>
+<cs:chartStyle xmlns:cs="http://schemas.microsoft.com/office/drawing/2012/chartStyle" xmlns:a="http://schemas.openxmlformats.org/drawingml/2006/main" id="201">
+  <cs:axisTitle>
+    <cs:lnRef idx="0"/>
+    <cs:fillRef idx="0"/>
+    <cs:effectRef idx="0"/>
+    <cs:fontRef idx="minor">
+      <a:schemeClr val="tx1">
+        <a:lumMod val="65000"/>
+        <a:lumOff val="35000"/>
+      </a:schemeClr>
+    </cs:fontRef>
+    <cs:defRPr sz="1330" kern="1200"/>
+  </cs:axisTitle>
+  <cs:categoryAxis>
+    <cs:lnRef idx="0"/>
+    <cs:fillRef idx="0"/>
+    <cs:effectRef idx="0"/>
+    <cs:fontRef idx="minor">
+      <a:schemeClr val="tx1">
+        <a:lumMod val="65000"/>
+        <a:lumOff val="35000"/>
+      </a:schemeClr>
+    </cs:fontRef>
+    <cs:spPr>
+      <a:ln w="9525" cap="flat" cmpd="sng" algn="ctr">
+        <a:solidFill>
+          <a:schemeClr val="tx1">
+            <a:lumMod val="15000"/>
+            <a:lumOff val="85000"/>
+          </a:schemeClr>
+        </a:solidFill>
+        <a:round/>
+      </a:ln>
+    </cs:spPr>
+    <cs:defRPr sz="1197" kern="1200"/>
+  </cs:categoryAxis>
+  <cs:chartArea mods="allowNoFillOverride allowNoLineOverride">
+    <cs:lnRef idx="0"/>
+    <cs:fillRef idx="0"/>
+    <cs:effectRef idx="0"/>
+    <cs:fontRef idx="minor">
+      <a:schemeClr val="tx1"/>
+    </cs:fontRef>
+    <cs:spPr>
+      <a:solidFill>
+        <a:schemeClr val="bg1"/>
+      </a:solidFill>
+      <a:ln w="9525" cap="flat" cmpd="sng" algn="ctr">
+        <a:solidFill>
+          <a:schemeClr val="tx1">
+            <a:lumMod val="15000"/>
+            <a:lumOff val="85000"/>
+          </a:schemeClr>
+        </a:solidFill>
+        <a:round/>
+      </a:ln>
+    </cs:spPr>
+    <cs:defRPr sz="1330" kern="1200"/>
+  </cs:chartArea>
+  <cs:dataLabel>
+    <cs:lnRef idx="0"/>
+    <cs:fillRef idx="0"/>
+    <cs:effectRef idx="0"/>
+    <cs:fontRef idx="minor">
+      <a:schemeClr val="tx1">
+        <a:lumMod val="75000"/>
+        <a:lumOff val="25000"/>
+      </a:schemeClr>
+    </cs:fontRef>
+    <cs:defRPr sz="1197" kern="1200"/>
+  </cs:dataLabel>
+  <cs:dataLabelCallout>
+    <cs:lnRef idx="0"/>
+    <cs:fillRef idx="0"/>
+    <cs:effectRef idx="0"/>
+    <cs:fontRef idx="minor">
+      <a:schemeClr val="dk1">
+        <a:lumMod val="65000"/>
+        <a:lumOff val="35000"/>
+      </a:schemeClr>
+    </cs:fontRef>
+    <cs:spPr>
+      <a:solidFill>
+        <a:schemeClr val="lt1"/>
+      </a:solidFill>
+      <a:ln>
+        <a:solidFill>
+          <a:schemeClr val="dk1">
+            <a:lumMod val="25000"/>
+            <a:lumOff val="75000"/>
+          </a:schemeClr>
+        </a:solidFill>
+      </a:ln>
+    </cs:spPr>
+    <cs:defRPr sz="1197" kern="1200"/>
+    <cs:bodyPr rot="0" spcFirstLastPara="1" vertOverflow="clip" horzOverflow="clip" vert="horz" wrap="square" lIns="36576" tIns="18288" rIns="36576" bIns="18288" anchor="ctr" anchorCtr="1">
+      <a:spAutoFit/>
+    </cs:bodyPr>
+  </cs:dataLabelCallout>
+  <cs:dataPoint>
+    <cs:lnRef idx="0"/>
+    <cs:fillRef idx="1">
+      <cs:styleClr val="auto"/>
+    </cs:fillRef>
+    <cs:effectRef idx="0"/>
+    <cs:fontRef idx="minor">
+      <a:schemeClr val="tx1"/>
+    </cs:fontRef>
+  </cs:dataPoint>
+  <cs:dataPoint3D>
+    <cs:lnRef idx="0"/>
+    <cs:fillRef idx="1">
+      <cs:styleClr val="auto"/>
+    </cs:fillRef>
+    <cs:effectRef idx="0"/>
+    <cs:fontRef idx="minor">
+      <a:schemeClr val="tx1"/>
+    </cs:fontRef>
+  </cs:dataPoint3D>
+  <cs:dataPointLine>
+    <cs:lnRef idx="0">
+      <cs:styleClr val="auto"/>
+    </cs:lnRef>
+    <cs:fillRef idx="1"/>
+    <cs:effectRef idx="0"/>
+    <cs:fontRef idx="minor">
+      <a:schemeClr val="tx1"/>
+    </cs:fontRef>
+    <cs:spPr>
+      <a:ln w="28575" cap="rnd">
+        <a:solidFill>
+          <a:schemeClr val="phClr"/>
+        </a:solidFill>
+        <a:round/>
+      </a:ln>
+    </cs:spPr>
+  </cs:dataPointLine>
+  <cs:dataPointMarker>
+    <cs:lnRef idx="0">
+      <cs:styleClr val="auto"/>
+    </cs:lnRef>
+    <cs:fillRef idx="1">
+      <cs:styleClr val="auto"/>
+    </cs:fillRef>
+    <cs:effectRef idx="0"/>
+    <cs:fontRef idx="minor">
+      <a:schemeClr val="tx1"/>
+    </cs:fontRef>
+    <cs:spPr>
+      <a:ln w="9525">
+        <a:solidFill>
+          <a:schemeClr val="phClr"/>
+        </a:solidFill>
+      </a:ln>
+    </cs:spPr>
+  </cs:dataPointMarker>
+  <cs:dataPointMarkerLayout symbol="circle" size="5"/>
+  <cs:dataPointWireframe>
+    <cs:lnRef idx="0">
+      <cs:styleClr val="auto"/>
+    </cs:lnRef>
+    <cs:fillRef idx="1"/>
+    <cs:effectRef idx="0"/>
+    <cs:fontRef idx="minor">
+      <a:schemeClr val="tx1"/>
+    </cs:fontRef>
+    <cs:spPr>
+      <a:ln w="9525" cap="rnd">
+        <a:solidFill>
+          <a:schemeClr val="phClr"/>
+        </a:solidFill>
+        <a:round/>
+      </a:ln>
+    </cs:spPr>
+  </cs:dataPointWireframe>
+  <cs:dataTable>
+    <cs:lnRef idx="0"/>
+    <cs:fillRef idx="0"/>
+    <cs:effectRef idx="0"/>
+    <cs:fontRef idx="minor">
+      <a:schemeClr val="tx1">
+        <a:lumMod val="65000"/>
+        <a:lumOff val="35000"/>
+      </a:schemeClr>
+    </cs:fontRef>
+    <cs:spPr>
+      <a:noFill/>
+      <a:ln w="9525" cap="flat" cmpd="sng" algn="ctr">
+        <a:solidFill>
+          <a:schemeClr val="tx1">
+            <a:lumMod val="15000"/>
+            <a:lumOff val="85000"/>
+          </a:schemeClr>
+        </a:solidFill>
+        <a:round/>
+      </a:ln>
+    </cs:spPr>
+    <cs:defRPr sz="1197" kern="1200"/>
+  </cs:dataTable>
+  <cs:downBar>
+    <cs:lnRef idx="0"/>
+    <cs:fillRef idx="0"/>
+    <cs:effectRef idx="0"/>
+    <cs:fontRef idx="minor">
+      <a:schemeClr val="dk1"/>
+    </cs:fontRef>
+    <cs:spPr>
+      <a:solidFill>
+        <a:schemeClr val="dk1">
+          <a:lumMod val="65000"/>
+          <a:lumOff val="35000"/>
+        </a:schemeClr>
+      </a:solidFill>
+      <a:ln w="9525">
+        <a:solidFill>
+          <a:schemeClr val="tx1">
+            <a:lumMod val="65000"/>
+            <a:lumOff val="35000"/>
+          </a:schemeClr>
+        </a:solidFill>
+      </a:ln>
+    </cs:spPr>
+  </cs:downBar>
+  <cs:dropLine>
+    <cs:lnRef idx="0"/>
+    <cs:fillRef idx="0"/>
+    <cs:effectRef idx="0"/>
+    <cs:fontRef idx="minor">
+      <a:schemeClr val="tx1"/>
+    </cs:fontRef>
+    <cs:spPr>
+      <a:ln w="9525" cap="flat" cmpd="sng" algn="ctr">
+        <a:solidFill>
+          <a:schemeClr val="tx1">
+            <a:lumMod val="35000"/>
+            <a:lumOff val="65000"/>
+          </a:schemeClr>
+        </a:solidFill>
+        <a:round/>
+      </a:ln>
+    </cs:spPr>
+  </cs:dropLine>
+  <cs:errorBar>
+    <cs:lnRef idx="0"/>
+    <cs:fillRef idx="0"/>
+    <cs:effectRef idx="0"/>
+    <cs:fontRef idx="minor">
+      <a:schemeClr val="tx1"/>
+    </cs:fontRef>
+    <cs:spPr>
+      <a:ln w="9525" cap="flat" cmpd="sng" algn="ctr">
+        <a:solidFill>
+          <a:schemeClr val="tx1">
+            <a:lumMod val="65000"/>
+            <a:lumOff val="35000"/>
+          </a:schemeClr>
+        </a:solidFill>
+        <a:round/>
+      </a:ln>
+    </cs:spPr>
+  </cs:errorBar>
+  <cs:floor>
+    <cs:lnRef idx="0"/>
+    <cs:fillRef idx="0"/>
+    <cs:effectRef idx="0"/>
+    <cs:fontRef idx="minor">
+      <a:schemeClr val="tx1"/>
+    </cs:fontRef>
+    <cs:spPr>
+      <a:noFill/>
+      <a:ln>
+        <a:noFill/>
+      </a:ln>
+    </cs:spPr>
+  </cs:floor>
+  <cs:gridlineMajor>
+    <cs:lnRef idx="0"/>
+    <cs:fillRef idx="0"/>
+    <cs:effectRef idx="0"/>
+    <cs:fontRef idx="minor">
+      <a:schemeClr val="tx1"/>
+    </cs:fontRef>
+    <cs:spPr>
+      <a:ln w="9525" cap="flat" cmpd="sng" algn="ctr">
+        <a:solidFill>
+          <a:schemeClr val="tx1">
+            <a:lumMod val="15000"/>
+            <a:lumOff val="85000"/>
+          </a:schemeClr>
+        </a:solidFill>
+        <a:round/>
+      </a:ln>
+    </cs:spPr>
+  </cs:gridlineMajor>
+  <cs:gridlineMinor>
+    <cs:lnRef idx="0"/>
+    <cs:fillRef idx="0"/>
+    <cs:effectRef idx="0"/>
+    <cs:fontRef idx="minor">
+      <a:schemeClr val="tx1"/>
+    </cs:fontRef>
+    <cs:spPr>
+      <a:ln w="9525" cap="flat" cmpd="sng" algn="ctr">
+        <a:solidFill>
+          <a:schemeClr val="tx1">
+            <a:lumMod val="5000"/>
+            <a:lumOff val="95000"/>
+          </a:schemeClr>
+        </a:solidFill>
+        <a:round/>
+      </a:ln>
+    </cs:spPr>
+  </cs:gridlineMinor>
+  <cs:hiLoLine>
+    <cs:lnRef idx="0"/>
+    <cs:fillRef idx="0"/>
+    <cs:effectRef idx="0"/>
+    <cs:fontRef idx="minor">
+      <a:schemeClr val="tx1"/>
+    </cs:fontRef>
+    <cs:spPr>
+      <a:ln w="9525" cap="flat" cmpd="sng" algn="ctr">
+        <a:solidFill>
+          <a:schemeClr val="tx1">
+            <a:lumMod val="75000"/>
+            <a:lumOff val="25000"/>
+          </a:schemeClr>
+        </a:solidFill>
+        <a:round/>
+      </a:ln>
+    </cs:spPr>
+  </cs:hiLoLine>
+  <cs:leaderLine>
+    <cs:lnRef idx="0"/>
+    <cs:fillRef idx="0"/>
+    <cs:effectRef idx="0"/>
+    <cs:fontRef idx="minor">
+      <a:schemeClr val="tx1"/>
+    </cs:fontRef>
+    <cs:spPr>
+      <a:ln w="9525" cap="flat" cmpd="sng" algn="ctr">
+        <a:solidFill>
+          <a:schemeClr val="tx1">
+            <a:lumMod val="35000"/>
+            <a:lumOff val="65000"/>
+          </a:schemeClr>
+        </a:solidFill>
+        <a:round/>
+      </a:ln>
+    </cs:spPr>
+  </cs:leaderLine>
+  <cs:legend>
+    <cs:lnRef idx="0"/>
+    <cs:fillRef idx="0"/>
+    <cs:effectRef idx="0"/>
+    <cs:fontRef idx="minor">
+      <a:schemeClr val="tx1">
+        <a:lumMod val="65000"/>
+        <a:lumOff val="35000"/>
+      </a:schemeClr>
+    </cs:fontRef>
+    <cs:defRPr sz="1197" kern="1200"/>
+  </cs:legend>
+  <cs:plotArea mods="allowNoFillOverride allowNoLineOverride">
+    <cs:lnRef idx="0"/>
+    <cs:fillRef idx="0"/>
+    <cs:effectRef idx="0"/>
+    <cs:fontRef idx="minor">
+      <a:schemeClr val="tx1"/>
+    </cs:fontRef>
+  </cs:plotArea>
+  <cs:plotArea3D mods="allowNoFillOverride allowNoLineOverride">
+    <cs:lnRef idx="0"/>
+    <cs:fillRef idx="0"/>
+    <cs:effectRef idx="0"/>
+    <cs:fontRef idx="minor">
+      <a:schemeClr val="tx1"/>
+    </cs:fontRef>
+  </cs:plotArea3D>
+  <cs:seriesAxis>
+    <cs:lnRef idx="0"/>
+    <cs:fillRef idx="0"/>
+    <cs:effectRef idx="0"/>
+    <cs:fontRef idx="minor">
+      <a:schemeClr val="tx1">
+        <a:lumMod val="65000"/>
+        <a:lumOff val="35000"/>
+      </a:schemeClr>
+    </cs:fontRef>
+    <cs:defRPr sz="1197" kern="1200"/>
+  </cs:seriesAxis>
+  <cs:seriesLine>
+    <cs:lnRef idx="0"/>
+    <cs:fillRef idx="0"/>
+    <cs:effectRef idx="0"/>
+    <cs:fontRef idx="minor">
+      <a:schemeClr val="tx1"/>
+    </cs:fontRef>
+    <cs:spPr>
+      <a:ln w="9525" cap="flat" cmpd="sng" algn="ctr">
+        <a:solidFill>
+          <a:schemeClr val="tx1">
+            <a:lumMod val="35000"/>
+            <a:lumOff val="65000"/>
+          </a:schemeClr>
+        </a:solidFill>
+        <a:round/>
+      </a:ln>
+    </cs:spPr>
+  </cs:seriesLine>
+  <cs:title>
+    <cs:lnRef idx="0"/>
+    <cs:fillRef idx="0"/>
+    <cs:effectRef idx="0"/>
+    <cs:fontRef idx="minor">
+      <a:schemeClr val="tx1">
+        <a:lumMod val="65000"/>
+        <a:lumOff val="35000"/>
+      </a:schemeClr>
+    </cs:fontRef>
+    <cs:defRPr sz="1862" b="0" kern="1200" spc="0" baseline="0"/>
+  </cs:title>
+  <cs:trendline>
+    <cs:lnRef idx="0">
+      <cs:styleClr val="auto"/>
+    </cs:lnRef>
+    <cs:fillRef idx="0"/>
+    <cs:effectRef idx="0"/>
+    <cs:fontRef idx="minor">
+      <a:schemeClr val="tx1"/>
+    </cs:fontRef>
+    <cs:spPr>
+      <a:ln w="19050" cap="rnd">
+        <a:solidFill>
+          <a:schemeClr val="phClr"/>
+        </a:solidFill>
+        <a:prstDash val="sysDot"/>
+      </a:ln>
+    </cs:spPr>
+  </cs:trendline>
+  <cs:trendlineLabel>
+    <cs:lnRef idx="0"/>
+    <cs:fillRef idx="0"/>
+    <cs:effectRef idx="0"/>
+    <cs:fontRef idx="minor">
+      <a:schemeClr val="tx1">
+        <a:lumMod val="65000"/>
+        <a:lumOff val="35000"/>
+      </a:schemeClr>
+    </cs:fontRef>
+    <cs:defRPr sz="1197" kern="1200"/>
+  </cs:trendlineLabel>
+  <cs:upBar>
+    <cs:lnRef idx="0"/>
+    <cs:fillRef idx="0"/>
+    <cs:effectRef idx="0"/>
+    <cs:fontRef idx="minor">
+      <a:schemeClr val="dk1"/>
+    </cs:fontRef>
+    <cs:spPr>
+      <a:solidFill>
+        <a:schemeClr val="lt1"/>
+      </a:solidFill>
+      <a:ln w="9525">
+        <a:solidFill>
+          <a:schemeClr val="tx1">
+            <a:lumMod val="15000"/>
+            <a:lumOff val="85000"/>
+          </a:schemeClr>
+        </a:solidFill>
+      </a:ln>
+    </cs:spPr>
+  </cs:upBar>
+  <cs:valueAxis>
+    <cs:lnRef idx="0"/>
+    <cs:fillRef idx="0"/>
+    <cs:effectRef idx="0"/>
+    <cs:fontRef idx="minor">
+      <a:schemeClr val="tx1">
+        <a:lumMod val="65000"/>
+        <a:lumOff val="35000"/>
+      </a:schemeClr>
+    </cs:fontRef>
+    <cs:defRPr sz="1197" kern="1200"/>
+  </cs:valueAxis>
+  <cs:wall>
+    <cs:lnRef idx="0"/>
+    <cs:fillRef idx="0"/>
+    <cs:effectRef idx="0"/>
+    <cs:fontRef idx="minor">
+      <a:schemeClr val="tx1"/>
+    </cs:fontRef>
+    <cs:spPr>
+      <a:noFill/>
+      <a:ln>
+        <a:noFill/>
+      </a:ln>
+    </cs:spPr>
+  </cs:wall>
+</cs:chartStyle>
+</file>
+
+<file path=ppt/charts/style4.xml><?xml version="1.0" encoding="utf-8"?>
 <cs:chartStyle xmlns:cs="http://schemas.microsoft.com/office/drawing/2012/chartStyle" xmlns:a="http://schemas.openxmlformats.org/drawingml/2006/main" id="201">
   <cs:axisTitle>
     <cs:lnRef idx="0"/>
@@ -1259,7 +4490,7 @@
           <a:p>
             <a:fld id="{9A4EB9C7-8ECD-4224-A64B-EEB26508092E}" type="datetimeFigureOut">
               <a:rPr lang="zh-CN" altLang="en-US" smtClean="0"/>
-              <a:t>2022/8/25</a:t>
+              <a:t>2022/8/27</a:t>
             </a:fld>
             <a:endParaRPr lang="zh-CN" altLang="en-US"/>
           </a:p>
@@ -1457,7 +4688,7 @@
           <a:p>
             <a:fld id="{9A4EB9C7-8ECD-4224-A64B-EEB26508092E}" type="datetimeFigureOut">
               <a:rPr lang="zh-CN" altLang="en-US" smtClean="0"/>
-              <a:t>2022/8/25</a:t>
+              <a:t>2022/8/27</a:t>
             </a:fld>
             <a:endParaRPr lang="zh-CN" altLang="en-US"/>
           </a:p>
@@ -1665,7 +4896,7 @@
           <a:p>
             <a:fld id="{9A4EB9C7-8ECD-4224-A64B-EEB26508092E}" type="datetimeFigureOut">
               <a:rPr lang="zh-CN" altLang="en-US" smtClean="0"/>
-              <a:t>2022/8/25</a:t>
+              <a:t>2022/8/27</a:t>
             </a:fld>
             <a:endParaRPr lang="zh-CN" altLang="en-US"/>
           </a:p>
@@ -1863,7 +5094,7 @@
           <a:p>
             <a:fld id="{9A4EB9C7-8ECD-4224-A64B-EEB26508092E}" type="datetimeFigureOut">
               <a:rPr lang="zh-CN" altLang="en-US" smtClean="0"/>
-              <a:t>2022/8/25</a:t>
+              <a:t>2022/8/27</a:t>
             </a:fld>
             <a:endParaRPr lang="zh-CN" altLang="en-US"/>
           </a:p>
@@ -2138,7 +5369,7 @@
           <a:p>
             <a:fld id="{9A4EB9C7-8ECD-4224-A64B-EEB26508092E}" type="datetimeFigureOut">
               <a:rPr lang="zh-CN" altLang="en-US" smtClean="0"/>
-              <a:t>2022/8/25</a:t>
+              <a:t>2022/8/27</a:t>
             </a:fld>
             <a:endParaRPr lang="zh-CN" altLang="en-US"/>
           </a:p>
@@ -2403,7 +5634,7 @@
           <a:p>
             <a:fld id="{9A4EB9C7-8ECD-4224-A64B-EEB26508092E}" type="datetimeFigureOut">
               <a:rPr lang="zh-CN" altLang="en-US" smtClean="0"/>
-              <a:t>2022/8/25</a:t>
+              <a:t>2022/8/27</a:t>
             </a:fld>
             <a:endParaRPr lang="zh-CN" altLang="en-US"/>
           </a:p>
@@ -2815,7 +6046,7 @@
           <a:p>
             <a:fld id="{9A4EB9C7-8ECD-4224-A64B-EEB26508092E}" type="datetimeFigureOut">
               <a:rPr lang="zh-CN" altLang="en-US" smtClean="0"/>
-              <a:t>2022/8/25</a:t>
+              <a:t>2022/8/27</a:t>
             </a:fld>
             <a:endParaRPr lang="zh-CN" altLang="en-US"/>
           </a:p>
@@ -2956,7 +6187,7 @@
           <a:p>
             <a:fld id="{9A4EB9C7-8ECD-4224-A64B-EEB26508092E}" type="datetimeFigureOut">
               <a:rPr lang="zh-CN" altLang="en-US" smtClean="0"/>
-              <a:t>2022/8/25</a:t>
+              <a:t>2022/8/27</a:t>
             </a:fld>
             <a:endParaRPr lang="zh-CN" altLang="en-US"/>
           </a:p>
@@ -3069,7 +6300,7 @@
           <a:p>
             <a:fld id="{9A4EB9C7-8ECD-4224-A64B-EEB26508092E}" type="datetimeFigureOut">
               <a:rPr lang="zh-CN" altLang="en-US" smtClean="0"/>
-              <a:t>2022/8/25</a:t>
+              <a:t>2022/8/27</a:t>
             </a:fld>
             <a:endParaRPr lang="zh-CN" altLang="en-US"/>
           </a:p>
@@ -3380,7 +6611,7 @@
           <a:p>
             <a:fld id="{9A4EB9C7-8ECD-4224-A64B-EEB26508092E}" type="datetimeFigureOut">
               <a:rPr lang="zh-CN" altLang="en-US" smtClean="0"/>
-              <a:t>2022/8/25</a:t>
+              <a:t>2022/8/27</a:t>
             </a:fld>
             <a:endParaRPr lang="zh-CN" altLang="en-US"/>
           </a:p>
@@ -3668,7 +6899,7 @@
           <a:p>
             <a:fld id="{9A4EB9C7-8ECD-4224-A64B-EEB26508092E}" type="datetimeFigureOut">
               <a:rPr lang="zh-CN" altLang="en-US" smtClean="0"/>
-              <a:t>2022/8/25</a:t>
+              <a:t>2022/8/27</a:t>
             </a:fld>
             <a:endParaRPr lang="zh-CN" altLang="en-US"/>
           </a:p>
@@ -3909,7 +7140,7 @@
           <a:p>
             <a:fld id="{9A4EB9C7-8ECD-4224-A64B-EEB26508092E}" type="datetimeFigureOut">
               <a:rPr lang="zh-CN" altLang="en-US" smtClean="0"/>
-              <a:t>2022/8/25</a:t>
+              <a:t>2022/8/27</a:t>
             </a:fld>
             <a:endParaRPr lang="zh-CN" altLang="en-US"/>
           </a:p>
@@ -4339,7 +7570,7 @@
           <p:nvPr>
             <p:extLst>
               <p:ext uri="{D42A27DB-BD31-4B8C-83A1-F6EECF244321}">
-                <p14:modId xmlns:p14="http://schemas.microsoft.com/office/powerpoint/2010/main" val="2884190719"/>
+                <p14:modId xmlns:p14="http://schemas.microsoft.com/office/powerpoint/2010/main" val="2080092882"/>
               </p:ext>
             </p:extLst>
           </p:nvPr>
@@ -4358,6 +7589,144 @@
     <p:extLst>
       <p:ext uri="{BB962C8B-B14F-4D97-AF65-F5344CB8AC3E}">
         <p14:creationId xmlns:p14="http://schemas.microsoft.com/office/powerpoint/2010/main" val="3574985296"/>
+      </p:ext>
+    </p:extLst>
+  </p:cSld>
+  <p:clrMapOvr>
+    <a:masterClrMapping/>
+  </p:clrMapOvr>
+</p:sld>
+</file>
+
+<file path=ppt/slides/slide2.xml><?xml version="1.0" encoding="utf-8"?>
+<p:sld xmlns:a="http://schemas.openxmlformats.org/drawingml/2006/main" xmlns:p="http://schemas.openxmlformats.org/presentationml/2006/main" xmlns:r="http://schemas.openxmlformats.org/officeDocument/2006/relationships">
+  <p:cSld>
+    <p:spTree>
+      <p:nvGrpSpPr>
+        <p:cNvPr id="1" name=""/>
+        <p:cNvGrpSpPr/>
+        <p:nvPr/>
+      </p:nvGrpSpPr>
+      <p:grpSpPr>
+        <a:xfrm>
+          <a:off x="0" y="0"/>
+          <a:ext cx="0" cy="0"/>
+          <a:chOff x="0" y="0"/>
+          <a:chExt cx="0" cy="0"/>
+        </a:xfrm>
+      </p:grpSpPr>
+      <p:graphicFrame>
+        <p:nvGraphicFramePr>
+          <p:cNvPr id="5" name="图表 4">
+            <a:extLst>
+              <a:ext uri="{FF2B5EF4-FFF2-40B4-BE49-F238E27FC236}">
+                <a16:creationId xmlns:a16="http://schemas.microsoft.com/office/drawing/2014/main" id="{09C9A5C8-A5A1-3FD7-D908-90BF2E28B199}"/>
+              </a:ext>
+            </a:extLst>
+          </p:cNvPr>
+          <p:cNvGraphicFramePr/>
+          <p:nvPr/>
+        </p:nvGraphicFramePr>
+        <p:xfrm>
+          <a:off x="2032000" y="719666"/>
+          <a:ext cx="8128000" cy="5418667"/>
+        </p:xfrm>
+        <a:graphic>
+          <a:graphicData uri="http://schemas.openxmlformats.org/drawingml/2006/chart">
+            <c:chart xmlns:c="http://schemas.openxmlformats.org/drawingml/2006/chart" r:id="rId2"/>
+          </a:graphicData>
+        </a:graphic>
+      </p:graphicFrame>
+    </p:spTree>
+    <p:extLst>
+      <p:ext uri="{BB962C8B-B14F-4D97-AF65-F5344CB8AC3E}">
+        <p14:creationId xmlns:p14="http://schemas.microsoft.com/office/powerpoint/2010/main" val="2444899747"/>
+      </p:ext>
+    </p:extLst>
+  </p:cSld>
+  <p:clrMapOvr>
+    <a:masterClrMapping/>
+  </p:clrMapOvr>
+</p:sld>
+</file>
+
+<file path=ppt/slides/slide3.xml><?xml version="1.0" encoding="utf-8"?>
+<p:sld xmlns:a="http://schemas.openxmlformats.org/drawingml/2006/main" xmlns:p="http://schemas.openxmlformats.org/presentationml/2006/main" xmlns:r="http://schemas.openxmlformats.org/officeDocument/2006/relationships">
+  <p:cSld>
+    <p:spTree>
+      <p:nvGrpSpPr>
+        <p:cNvPr id="1" name=""/>
+        <p:cNvGrpSpPr/>
+        <p:nvPr/>
+      </p:nvGrpSpPr>
+      <p:grpSpPr>
+        <a:xfrm>
+          <a:off x="0" y="0"/>
+          <a:ext cx="0" cy="0"/>
+          <a:chOff x="0" y="0"/>
+          <a:chExt cx="0" cy="0"/>
+        </a:xfrm>
+      </p:grpSpPr>
+      <p:graphicFrame>
+        <p:nvGraphicFramePr>
+          <p:cNvPr id="4" name="图表 3">
+            <a:extLst>
+              <a:ext uri="{FF2B5EF4-FFF2-40B4-BE49-F238E27FC236}">
+                <a16:creationId xmlns:a16="http://schemas.microsoft.com/office/drawing/2014/main" id="{0FD1B4EE-F661-85D4-A4FA-57B1A06AA1AB}"/>
+              </a:ext>
+            </a:extLst>
+          </p:cNvPr>
+          <p:cNvGraphicFramePr/>
+          <p:nvPr>
+            <p:extLst>
+              <p:ext uri="{D42A27DB-BD31-4B8C-83A1-F6EECF244321}">
+                <p14:modId xmlns:p14="http://schemas.microsoft.com/office/powerpoint/2010/main" val="3549363322"/>
+              </p:ext>
+            </p:extLst>
+          </p:nvPr>
+        </p:nvGraphicFramePr>
+        <p:xfrm>
+          <a:off x="324254" y="117273"/>
+          <a:ext cx="5451813" cy="3634542"/>
+        </p:xfrm>
+        <a:graphic>
+          <a:graphicData uri="http://schemas.openxmlformats.org/drawingml/2006/chart">
+            <c:chart xmlns:c="http://schemas.openxmlformats.org/drawingml/2006/chart" r:id="rId2"/>
+          </a:graphicData>
+        </a:graphic>
+      </p:graphicFrame>
+      <p:graphicFrame>
+        <p:nvGraphicFramePr>
+          <p:cNvPr id="7" name="图表 6">
+            <a:extLst>
+              <a:ext uri="{FF2B5EF4-FFF2-40B4-BE49-F238E27FC236}">
+                <a16:creationId xmlns:a16="http://schemas.microsoft.com/office/drawing/2014/main" id="{61391ED9-47F6-0B30-4F9F-168F5767C227}"/>
+              </a:ext>
+            </a:extLst>
+          </p:cNvPr>
+          <p:cNvGraphicFramePr/>
+          <p:nvPr>
+            <p:extLst>
+              <p:ext uri="{D42A27DB-BD31-4B8C-83A1-F6EECF244321}">
+                <p14:modId xmlns:p14="http://schemas.microsoft.com/office/powerpoint/2010/main" val="793998556"/>
+              </p:ext>
+            </p:extLst>
+          </p:nvPr>
+        </p:nvGraphicFramePr>
+        <p:xfrm>
+          <a:off x="6332561" y="3284182"/>
+          <a:ext cx="4537122" cy="3024748"/>
+        </p:xfrm>
+        <a:graphic>
+          <a:graphicData uri="http://schemas.openxmlformats.org/drawingml/2006/chart">
+            <c:chart xmlns:c="http://schemas.openxmlformats.org/drawingml/2006/chart" r:id="rId3"/>
+          </a:graphicData>
+        </a:graphic>
+      </p:graphicFrame>
+    </p:spTree>
+    <p:extLst>
+      <p:ext uri="{BB962C8B-B14F-4D97-AF65-F5344CB8AC3E}">
+        <p14:creationId xmlns:p14="http://schemas.microsoft.com/office/powerpoint/2010/main" val="9930899"/>
       </p:ext>
     </p:extLst>
   </p:cSld>

--- a/output.pptx
+++ b/output.pptx
@@ -277,29 +277,41 @@
           </c:dLbls>
           <c:cat>
             <c:strRef>
-              <c:f>Sheet1!$A$2:$A$3</c:f>
+              <c:f>Sheet1!$A$2:$A$5</c:f>
               <c:strCache>
-                <c:ptCount val="2"/>
+                <c:ptCount val="4"/>
                 <c:pt idx="0">
                   <c:v>李二</c:v>
                 </c:pt>
                 <c:pt idx="1">
                   <c:v>张三</c:v>
+                </c:pt>
+                <c:pt idx="2">
+                  <c:v>赵四</c:v>
+                </c:pt>
+                <c:pt idx="3">
+                  <c:v>王五</c:v>
                 </c:pt>
               </c:strCache>
             </c:strRef>
           </c:cat>
           <c:val>
             <c:numRef>
-              <c:f>Sheet1!$B$2:$B$3</c:f>
+              <c:f>Sheet1!$B$2:$B$5</c:f>
               <c:numCache>
                 <c:formatCode>General</c:formatCode>
-                <c:ptCount val="2"/>
+                <c:ptCount val="4"/>
                 <c:pt idx="0">
                   <c:v>78.0</c:v>
                 </c:pt>
                 <c:pt idx="1">
                   <c:v>44.0</c:v>
+                </c:pt>
+                <c:pt idx="2">
+                  <c:v>74.0</c:v>
+                </c:pt>
+                <c:pt idx="3">
+                  <c:v>69.0</c:v>
                 </c:pt>
               </c:numCache>
             </c:numRef>
@@ -394,29 +406,41 @@
           </c:dLbls>
           <c:cat>
             <c:strRef>
-              <c:f>Sheet1!$A$2:$A$3</c:f>
+              <c:f>Sheet1!$A$2:$A$5</c:f>
               <c:strCache>
-                <c:ptCount val="2"/>
+                <c:ptCount val="4"/>
                 <c:pt idx="0">
                   <c:v>李二</c:v>
                 </c:pt>
                 <c:pt idx="1">
                   <c:v>张三</c:v>
+                </c:pt>
+                <c:pt idx="2">
+                  <c:v>赵四</c:v>
+                </c:pt>
+                <c:pt idx="3">
+                  <c:v>王五</c:v>
                 </c:pt>
               </c:strCache>
             </c:strRef>
           </c:cat>
           <c:val>
             <c:numRef>
-              <c:f>Sheet1!$C$2:$C$3</c:f>
+              <c:f>Sheet1!$C$2:$C$5</c:f>
               <c:numCache>
                 <c:formatCode>General</c:formatCode>
-                <c:ptCount val="2"/>
+                <c:ptCount val="4"/>
                 <c:pt idx="0">
                   <c:v>52.0</c:v>
                 </c:pt>
                 <c:pt idx="1">
                   <c:v>23.0</c:v>
+                </c:pt>
+                <c:pt idx="2">
+                  <c:v>84.0</c:v>
+                </c:pt>
+                <c:pt idx="3">
+                  <c:v>86.0</c:v>
                 </c:pt>
               </c:numCache>
             </c:numRef>
@@ -511,29 +535,41 @@
           </c:dLbls>
           <c:cat>
             <c:strRef>
-              <c:f>Sheet1!$A$2:$A$3</c:f>
+              <c:f>Sheet1!$A$2:$A$5</c:f>
               <c:strCache>
-                <c:ptCount val="2"/>
+                <c:ptCount val="4"/>
                 <c:pt idx="0">
                   <c:v>李二</c:v>
                 </c:pt>
                 <c:pt idx="1">
                   <c:v>张三</c:v>
+                </c:pt>
+                <c:pt idx="2">
+                  <c:v>赵四</c:v>
+                </c:pt>
+                <c:pt idx="3">
+                  <c:v>王五</c:v>
                 </c:pt>
               </c:strCache>
             </c:strRef>
           </c:cat>
           <c:val>
             <c:numRef>
-              <c:f>Sheet1!$D$2:$D$3</c:f>
+              <c:f>Sheet1!$D$2:$D$5</c:f>
               <c:numCache>
                 <c:formatCode>General</c:formatCode>
-                <c:ptCount val="2"/>
+                <c:ptCount val="4"/>
                 <c:pt idx="0">
                   <c:v>63.0</c:v>
                 </c:pt>
                 <c:pt idx="1">
                   <c:v>99.0</c:v>
+                </c:pt>
+                <c:pt idx="2">
+                  <c:v>71.0</c:v>
+                </c:pt>
+                <c:pt idx="3">
+                  <c:v>100.0</c:v>
                 </c:pt>
               </c:numCache>
             </c:numRef>
@@ -560,29 +596,41 @@
           </c:tx>
           <c:cat>
             <c:strRef>
-              <c:f>Sheet1!$A$2:$A$3</c:f>
+              <c:f>Sheet1!$A$2:$A$5</c:f>
               <c:strCache>
-                <c:ptCount val="2"/>
+                <c:ptCount val="4"/>
                 <c:pt idx="0">
                   <c:v>李二</c:v>
                 </c:pt>
                 <c:pt idx="1">
                   <c:v>张三</c:v>
+                </c:pt>
+                <c:pt idx="2">
+                  <c:v>赵四</c:v>
+                </c:pt>
+                <c:pt idx="3">
+                  <c:v>王五</c:v>
                 </c:pt>
               </c:strCache>
             </c:strRef>
           </c:cat>
           <c:val>
             <c:numRef>
-              <c:f>Sheet1!$E$2:$E$3</c:f>
+              <c:f>Sheet1!$E$2:$E$5</c:f>
               <c:numCache>
                 <c:formatCode>General</c:formatCode>
-                <c:ptCount val="2"/>
+                <c:ptCount val="4"/>
                 <c:pt idx="0">
                   <c:v>40.0</c:v>
                 </c:pt>
                 <c:pt idx="1">
                   <c:v>50.0</c:v>
+                </c:pt>
+                <c:pt idx="2">
+                  <c:v>60.0</c:v>
+                </c:pt>
+                <c:pt idx="3">
+                  <c:v>70.0</c:v>
                 </c:pt>
               </c:numCache>
             </c:numRef>
